--- a/networking-as-self-governance.pptx
+++ b/networking-as-self-governance.pptx
@@ -4,20 +4,23 @@
   <p:sldMasterIdLst>
     <p:sldMasterId id="2147483648" r:id="rId1"/>
   </p:sldMasterIdLst>
+  <p:notesMasterIdLst>
+    <p:notesMasterId r:id="rId15"/>
+  </p:notesMasterIdLst>
   <p:sldIdLst>
-    <p:sldId id="256" r:id="rId7"/>
-    <p:sldId id="257" r:id="rId8"/>
-    <p:sldId id="258" r:id="rId9"/>
-    <p:sldId id="259" r:id="rId10"/>
-    <p:sldId id="260" r:id="rId11"/>
-    <p:sldId id="261" r:id="rId12"/>
-    <p:sldId id="262" r:id="rId13"/>
-    <p:sldId id="263" r:id="rId14"/>
-    <p:sldId id="264" r:id="rId15"/>
-    <p:sldId id="265" r:id="rId16"/>
-    <p:sldId id="266" r:id="rId17"/>
-    <p:sldId id="267" r:id="rId18"/>
-    <p:sldId id="268" r:id="rId19"/>
+    <p:sldId id="256" r:id="rId2"/>
+    <p:sldId id="257" r:id="rId3"/>
+    <p:sldId id="258" r:id="rId4"/>
+    <p:sldId id="259" r:id="rId5"/>
+    <p:sldId id="260" r:id="rId6"/>
+    <p:sldId id="261" r:id="rId7"/>
+    <p:sldId id="262" r:id="rId8"/>
+    <p:sldId id="263" r:id="rId9"/>
+    <p:sldId id="264" r:id="rId10"/>
+    <p:sldId id="265" r:id="rId11"/>
+    <p:sldId id="266" r:id="rId12"/>
+    <p:sldId id="267" r:id="rId13"/>
+    <p:sldId id="268" r:id="rId14"/>
   </p:sldIdLst>
   <p:sldSz cx="9144000" cy="6858000" type="screen4x3"/>
   <p:notesSz cx="6858000" cy="9144000"/>
@@ -116,11 +119,27 @@
       </a:defRPr>
     </a:lvl9pPr>
   </p:defaultTextStyle>
+  <p:extLst>
+    <p:ext uri="{EFAFB233-063F-42B5-8137-9DF3F51BA10A}">
+      <p15:sldGuideLst xmlns:p15="http://schemas.microsoft.com/office/powerpoint/2012/main">
+        <p15:guide id="1" orient="horz" pos="2160">
+          <p15:clr>
+            <a:srgbClr val="A4A3A4"/>
+          </p15:clr>
+        </p15:guide>
+        <p15:guide id="2" pos="2880">
+          <p15:clr>
+            <a:srgbClr val="A4A3A4"/>
+          </p15:clr>
+        </p15:guide>
+      </p15:sldGuideLst>
+    </p:ext>
+  </p:extLst>
 </p:presentation>
 </file>
 
 <file path=ppt/notesMasters/notesMaster1.xml><?xml version="1.0" encoding="utf-8"?>
-<p:notesMaster xmlns:a="http://schemas.openxmlformats.org/drawingml/2006/main" xmlns:p="http://schemas.openxmlformats.org/presentationml/2006/main" xmlns:r="http://schemas.openxmlformats.org/officeDocument/2006/relationships">
+<p:notesMaster xmlns:a="http://schemas.openxmlformats.org/drawingml/2006/main" xmlns:r="http://schemas.openxmlformats.org/officeDocument/2006/relationships" xmlns:p="http://schemas.openxmlformats.org/presentationml/2006/main">
   <p:cSld>
     <p:bg>
       <p:bgRef idx="1001">
@@ -141,241 +160,16 @@
           <a:chExt cx="0" cy="0"/>
         </a:xfrm>
       </p:grpSpPr>
-      <p:sp>
-        <p:nvSpPr>
-          <p:cNvPr id="2" name="Header Placeholder 1"/>
-          <p:cNvSpPr>
-            <a:spLocks noGrp="1"/>
-          </p:cNvSpPr>
-          <p:nvPr>
-            <p:ph type="hdr" sz="quarter"/>
-          </p:nvPr>
-        </p:nvSpPr>
-        <p:spPr>
-          <a:xfrm>
-            <a:off x="0" y="0"/>
-            <a:ext cx="2971800" cy="457200"/>
-          </a:xfrm>
-          <a:prstGeom prst="rect">
-            <a:avLst/>
-          </a:prstGeom>
-        </p:spPr>
-        <p:txBody>
-          <a:bodyPr vert="horz" lIns="91440" tIns="45720" rIns="91440" bIns="45720" rtlCol="0"/>
-          <a:lstStyle>
-            <a:lvl1pPr algn="l">
-              <a:defRPr sz="1200"/>
-            </a:lvl1pPr>
-          </a:lstStyle>
-          <a:p>
-            <a:endParaRPr lang="en-US"/>
-          </a:p>
-        </p:txBody>
-      </p:sp>
-      <p:sp>
-        <p:nvSpPr>
-          <p:cNvPr id="3" name="Date Placeholder 2"/>
-          <p:cNvSpPr>
-            <a:spLocks noGrp="1"/>
-          </p:cNvSpPr>
-          <p:nvPr>
-            <p:ph type="dt" idx="1"/>
-          </p:nvPr>
-        </p:nvSpPr>
-        <p:spPr>
-          <a:xfrm>
-            <a:off x="3884613" y="0"/>
-            <a:ext cx="2971800" cy="457200"/>
-          </a:xfrm>
-          <a:prstGeom prst="rect">
-            <a:avLst/>
-          </a:prstGeom>
-        </p:spPr>
-        <p:txBody>
-          <a:bodyPr vert="horz" lIns="91440" tIns="45720" rIns="91440" bIns="45720" rtlCol="0"/>
-          <a:lstStyle>
-            <a:lvl1pPr algn="r">
-              <a:defRPr sz="1200"/>
-            </a:lvl1pPr>
-          </a:lstStyle>
-          <a:p>
-            <a:fld id="{0F89C1C7-3DCD-1040-A9CF-14679D8B5DDD}" type="datetimeFigureOut">
-              <a:rPr lang="en-US" smtClean="0"/>
-              <a:t>10/17/16</a:t>
-            </a:fld>
-            <a:endParaRPr lang="en-US"/>
-          </a:p>
-        </p:txBody>
-      </p:sp>
-      <p:sp>
-        <p:nvSpPr>
-          <p:cNvPr id="4" name="Slide Image Placeholder 3"/>
-          <p:cNvSpPr>
-            <a:spLocks noGrp="1" noRot="1" noChangeAspect="1"/>
-          </p:cNvSpPr>
-          <p:nvPr>
-            <p:ph type="sldImg" idx="2"/>
-          </p:nvPr>
-        </p:nvSpPr>
-        <p:spPr>
-          <a:xfrm>
-            <a:off x="1143000" y="685800"/>
-            <a:ext cx="4572000" cy="3429000"/>
-          </a:xfrm>
-          <a:prstGeom prst="rect">
-            <a:avLst/>
-          </a:prstGeom>
-          <a:noFill/>
-          <a:ln w="12700">
-            <a:solidFill>
-              <a:prstClr val="black"/>
-            </a:solidFill>
-          </a:ln>
-        </p:spPr>
-        <p:txBody>
-          <a:bodyPr vert="horz" lIns="91440" tIns="45720" rIns="91440" bIns="45720" rtlCol="0" anchor="ctr"/>
-          <a:lstStyle/>
-          <a:p>
-            <a:endParaRPr lang="en-US"/>
-          </a:p>
-        </p:txBody>
-      </p:sp>
-      <p:sp>
-        <p:nvSpPr>
-          <p:cNvPr id="5" name="Notes Placeholder 4"/>
-          <p:cNvSpPr>
-            <a:spLocks noGrp="1"/>
-          </p:cNvSpPr>
-          <p:nvPr>
-            <p:ph type="body" sz="quarter" idx="3"/>
-          </p:nvPr>
-        </p:nvSpPr>
-        <p:spPr>
-          <a:xfrm>
-            <a:off x="685800" y="4343400"/>
-            <a:ext cx="5486400" cy="4114800"/>
-          </a:xfrm>
-          <a:prstGeom prst="rect">
-            <a:avLst/>
-          </a:prstGeom>
-        </p:spPr>
-        <p:txBody>
-          <a:bodyPr vert="horz" lIns="91440" tIns="45720" rIns="91440" bIns="45720" rtlCol="0"/>
-          <a:lstStyle/>
-          <a:p>
-            <a:pPr lvl="0"/>
-            <a:r>
-              <a:rPr lang="en-US" smtClean="0"/>
-              <a:t>Click to edit Master text styles</a:t>
-            </a:r>
-          </a:p>
-          <a:p>
-            <a:pPr lvl="1"/>
-            <a:r>
-              <a:rPr lang="en-US" smtClean="0"/>
-              <a:t>Second level</a:t>
-            </a:r>
-          </a:p>
-          <a:p>
-            <a:pPr lvl="2"/>
-            <a:r>
-              <a:rPr lang="en-US" smtClean="0"/>
-              <a:t>Third level</a:t>
-            </a:r>
-          </a:p>
-          <a:p>
-            <a:pPr lvl="3"/>
-            <a:r>
-              <a:rPr lang="en-US" smtClean="0"/>
-              <a:t>Fourth level</a:t>
-            </a:r>
-          </a:p>
-          <a:p>
-            <a:pPr lvl="4"/>
-            <a:r>
-              <a:rPr lang="en-US" smtClean="0"/>
-              <a:t>Fifth level</a:t>
-            </a:r>
-            <a:endParaRPr lang="en-US"/>
-          </a:p>
-        </p:txBody>
-      </p:sp>
-      <p:sp>
-        <p:nvSpPr>
-          <p:cNvPr id="6" name="Footer Placeholder 5"/>
-          <p:cNvSpPr>
-            <a:spLocks noGrp="1"/>
-          </p:cNvSpPr>
-          <p:nvPr>
-            <p:ph type="ftr" sz="quarter" idx="4"/>
-          </p:nvPr>
-        </p:nvSpPr>
-        <p:spPr>
-          <a:xfrm>
-            <a:off x="0" y="8685213"/>
-            <a:ext cx="2971800" cy="457200"/>
-          </a:xfrm>
-          <a:prstGeom prst="rect">
-            <a:avLst/>
-          </a:prstGeom>
-        </p:spPr>
-        <p:txBody>
-          <a:bodyPr vert="horz" lIns="91440" tIns="45720" rIns="91440" bIns="45720" rtlCol="0" anchor="b"/>
-          <a:lstStyle>
-            <a:lvl1pPr algn="l">
-              <a:defRPr sz="1200"/>
-            </a:lvl1pPr>
-          </a:lstStyle>
-          <a:p>
-            <a:endParaRPr lang="en-US"/>
-          </a:p>
-        </p:txBody>
-      </p:sp>
-      <p:sp>
-        <p:nvSpPr>
-          <p:cNvPr id="7" name="Slide Number Placeholder 6"/>
-          <p:cNvSpPr>
-            <a:spLocks noGrp="1"/>
-          </p:cNvSpPr>
-          <p:nvPr>
-            <p:ph type="sldNum" sz="quarter" idx="5"/>
-          </p:nvPr>
-        </p:nvSpPr>
-        <p:spPr>
-          <a:xfrm>
-            <a:off x="3884613" y="8685213"/>
-            <a:ext cx="2971800" cy="457200"/>
-          </a:xfrm>
-          <a:prstGeom prst="rect">
-            <a:avLst/>
-          </a:prstGeom>
-        </p:spPr>
-        <p:txBody>
-          <a:bodyPr vert="horz" lIns="91440" tIns="45720" rIns="91440" bIns="45720" rtlCol="0" anchor="b"/>
-          <a:lstStyle>
-            <a:lvl1pPr algn="r">
-              <a:defRPr sz="1200"/>
-            </a:lvl1pPr>
-          </a:lstStyle>
-          <a:p>
-            <a:fld id="{BB5E49A5-4136-284D-997B-48E1D791AD67}" type="slidenum">
-              <a:rPr lang="en-US" smtClean="0"/>
-              <a:t>‹#›</a:t>
-            </a:fld>
-            <a:endParaRPr lang="en-US"/>
-          </a:p>
-        </p:txBody>
-      </p:sp>
     </p:spTree>
     <p:extLst>
       <p:ext uri="{BB962C8B-B14F-4D97-AF65-F5344CB8AC3E}">
-        <p14:creationId xmlns:p14="http://schemas.microsoft.com/office/powerpoint/2010/main" val="2623252185"/>
+        <p14:creationId xmlns:p14="http://schemas.microsoft.com/office/powerpoint/2010/main" val="3792570794"/>
       </p:ext>
     </p:extLst>
   </p:cSld>
   <p:clrMap bg1="lt1" tx1="dk1" bg2="lt2" tx2="dk2" accent1="accent1" accent2="accent2" accent3="accent3" accent4="accent4" accent5="accent5" accent6="accent6" hlink="hlink" folHlink="folHlink"/>
   <p:notesStyle>
-    <a:lvl1pPr marL="0" algn="l" defTabSz="457200" rtl="0" eaLnBrk="1" latinLnBrk="0" hangingPunct="1">
+    <a:lvl1pPr marL="0" algn="l" defTabSz="914400" rtl="0" eaLnBrk="1" latinLnBrk="0" hangingPunct="1">
       <a:defRPr sz="1200" kern="1200">
         <a:solidFill>
           <a:schemeClr val="tx1"/>
@@ -385,7 +179,7 @@
         <a:cs typeface="+mn-cs"/>
       </a:defRPr>
     </a:lvl1pPr>
-    <a:lvl2pPr marL="457200" algn="l" defTabSz="457200" rtl="0" eaLnBrk="1" latinLnBrk="0" hangingPunct="1">
+    <a:lvl2pPr marL="457200" algn="l" defTabSz="914400" rtl="0" eaLnBrk="1" latinLnBrk="0" hangingPunct="1">
       <a:defRPr sz="1200" kern="1200">
         <a:solidFill>
           <a:schemeClr val="tx1"/>
@@ -395,7 +189,7 @@
         <a:cs typeface="+mn-cs"/>
       </a:defRPr>
     </a:lvl2pPr>
-    <a:lvl3pPr marL="914400" algn="l" defTabSz="457200" rtl="0" eaLnBrk="1" latinLnBrk="0" hangingPunct="1">
+    <a:lvl3pPr marL="914400" algn="l" defTabSz="914400" rtl="0" eaLnBrk="1" latinLnBrk="0" hangingPunct="1">
       <a:defRPr sz="1200" kern="1200">
         <a:solidFill>
           <a:schemeClr val="tx1"/>
@@ -405,7 +199,7 @@
         <a:cs typeface="+mn-cs"/>
       </a:defRPr>
     </a:lvl3pPr>
-    <a:lvl4pPr marL="1371600" algn="l" defTabSz="457200" rtl="0" eaLnBrk="1" latinLnBrk="0" hangingPunct="1">
+    <a:lvl4pPr marL="1371600" algn="l" defTabSz="914400" rtl="0" eaLnBrk="1" latinLnBrk="0" hangingPunct="1">
       <a:defRPr sz="1200" kern="1200">
         <a:solidFill>
           <a:schemeClr val="tx1"/>
@@ -415,7 +209,7 @@
         <a:cs typeface="+mn-cs"/>
       </a:defRPr>
     </a:lvl4pPr>
-    <a:lvl5pPr marL="1828800" algn="l" defTabSz="457200" rtl="0" eaLnBrk="1" latinLnBrk="0" hangingPunct="1">
+    <a:lvl5pPr marL="1828800" algn="l" defTabSz="914400" rtl="0" eaLnBrk="1" latinLnBrk="0" hangingPunct="1">
       <a:defRPr sz="1200" kern="1200">
         <a:solidFill>
           <a:schemeClr val="tx1"/>
@@ -425,7 +219,7 @@
         <a:cs typeface="+mn-cs"/>
       </a:defRPr>
     </a:lvl5pPr>
-    <a:lvl6pPr marL="2286000" algn="l" defTabSz="457200" rtl="0" eaLnBrk="1" latinLnBrk="0" hangingPunct="1">
+    <a:lvl6pPr marL="2286000" algn="l" defTabSz="914400" rtl="0" eaLnBrk="1" latinLnBrk="0" hangingPunct="1">
       <a:defRPr sz="1200" kern="1200">
         <a:solidFill>
           <a:schemeClr val="tx1"/>
@@ -435,7 +229,7 @@
         <a:cs typeface="+mn-cs"/>
       </a:defRPr>
     </a:lvl6pPr>
-    <a:lvl7pPr marL="2743200" algn="l" defTabSz="457200" rtl="0" eaLnBrk="1" latinLnBrk="0" hangingPunct="1">
+    <a:lvl7pPr marL="2743200" algn="l" defTabSz="914400" rtl="0" eaLnBrk="1" latinLnBrk="0" hangingPunct="1">
       <a:defRPr sz="1200" kern="1200">
         <a:solidFill>
           <a:schemeClr val="tx1"/>
@@ -445,7 +239,7 @@
         <a:cs typeface="+mn-cs"/>
       </a:defRPr>
     </a:lvl7pPr>
-    <a:lvl8pPr marL="3200400" algn="l" defTabSz="457200" rtl="0" eaLnBrk="1" latinLnBrk="0" hangingPunct="1">
+    <a:lvl8pPr marL="3200400" algn="l" defTabSz="914400" rtl="0" eaLnBrk="1" latinLnBrk="0" hangingPunct="1">
       <a:defRPr sz="1200" kern="1200">
         <a:solidFill>
           <a:schemeClr val="tx1"/>
@@ -455,7 +249,7 @@
         <a:cs typeface="+mn-cs"/>
       </a:defRPr>
     </a:lvl8pPr>
-    <a:lvl9pPr marL="3657600" algn="l" defTabSz="457200" rtl="0" eaLnBrk="1" latinLnBrk="0" hangingPunct="1">
+    <a:lvl9pPr marL="3657600" algn="l" defTabSz="914400" rtl="0" eaLnBrk="1" latinLnBrk="0" hangingPunct="1">
       <a:defRPr sz="1200" kern="1200">
         <a:solidFill>
           <a:schemeClr val="tx1"/>
@@ -470,7 +264,7 @@
 </file>
 
 <file path=ppt/notesSlides/notesSlide1.xml><?xml version="1.0" encoding="utf-8"?>
-<p:notes xmlns:a="http://schemas.openxmlformats.org/drawingml/2006/main" xmlns:p="http://schemas.openxmlformats.org/presentationml/2006/main" xmlns:r="http://schemas.openxmlformats.org/officeDocument/2006/relationships">
+<p:notes xmlns:a="http://schemas.openxmlformats.org/drawingml/2006/main" xmlns:r="http://schemas.openxmlformats.org/officeDocument/2006/relationships" xmlns:p="http://schemas.openxmlformats.org/presentationml/2006/main">
   <p:cSld>
     <p:spTree>
       <p:nvGrpSpPr>
@@ -490,7 +284,7 @@
         <p:nvSpPr>
           <p:cNvPr id="2" name="Slide Image Placeholder 1"/>
           <p:cNvSpPr>
-            <a:spLocks noGrp="1"/>
+            <a:spLocks noGrp="1" noRot="1" noChangeAspect="1"/>
           </p:cNvSpPr>
           <p:nvPr>
             <p:ph type="sldImg" idx="2"/>
@@ -505,7 +299,7 @@
             <a:spLocks noGrp="1"/>
           </p:cNvSpPr>
           <p:nvPr>
-            <p:ph type="body" idx="3" sz="quarter"/>
+            <p:ph type="body" sz="quarter" idx="3"/>
           </p:nvPr>
         </p:nvSpPr>
         <p:spPr/>
@@ -526,7 +320,7 @@
             <a:spLocks noGrp="1"/>
           </p:cNvSpPr>
           <p:nvPr>
-            <p:ph type="sldNum" idx="5" sz="quarter"/>
+            <p:ph type="sldNum" sz="quarter" idx="5"/>
           </p:nvPr>
         </p:nvSpPr>
         <p:spPr/>
@@ -540,7 +334,7 @@
 </file>
 
 <file path=ppt/notesSlides/notesSlide10.xml><?xml version="1.0" encoding="utf-8"?>
-<p:notes xmlns:a="http://schemas.openxmlformats.org/drawingml/2006/main" xmlns:p="http://schemas.openxmlformats.org/presentationml/2006/main" xmlns:r="http://schemas.openxmlformats.org/officeDocument/2006/relationships">
+<p:notes xmlns:a="http://schemas.openxmlformats.org/drawingml/2006/main" xmlns:r="http://schemas.openxmlformats.org/officeDocument/2006/relationships" xmlns:p="http://schemas.openxmlformats.org/presentationml/2006/main">
   <p:cSld>
     <p:spTree>
       <p:nvGrpSpPr>
@@ -560,7 +354,7 @@
         <p:nvSpPr>
           <p:cNvPr id="2" name="Slide Image Placeholder 1"/>
           <p:cNvSpPr>
-            <a:spLocks noGrp="1"/>
+            <a:spLocks noGrp="1" noRot="1" noChangeAspect="1"/>
           </p:cNvSpPr>
           <p:nvPr>
             <p:ph type="sldImg" idx="2"/>
@@ -575,7 +369,7 @@
             <a:spLocks noGrp="1"/>
           </p:cNvSpPr>
           <p:nvPr>
-            <p:ph type="body" idx="3" sz="quarter"/>
+            <p:ph type="body" sz="quarter" idx="3"/>
           </p:nvPr>
         </p:nvSpPr>
         <p:spPr/>
@@ -596,7 +390,7 @@
             <a:spLocks noGrp="1"/>
           </p:cNvSpPr>
           <p:nvPr>
-            <p:ph type="sldNum" idx="5" sz="quarter"/>
+            <p:ph type="sldNum" sz="quarter" idx="5"/>
           </p:nvPr>
         </p:nvSpPr>
         <p:spPr/>
@@ -610,7 +404,7 @@
 </file>
 
 <file path=ppt/notesSlides/notesSlide11.xml><?xml version="1.0" encoding="utf-8"?>
-<p:notes xmlns:a="http://schemas.openxmlformats.org/drawingml/2006/main" xmlns:p="http://schemas.openxmlformats.org/presentationml/2006/main" xmlns:r="http://schemas.openxmlformats.org/officeDocument/2006/relationships">
+<p:notes xmlns:a="http://schemas.openxmlformats.org/drawingml/2006/main" xmlns:r="http://schemas.openxmlformats.org/officeDocument/2006/relationships" xmlns:p="http://schemas.openxmlformats.org/presentationml/2006/main">
   <p:cSld>
     <p:spTree>
       <p:nvGrpSpPr>
@@ -630,7 +424,7 @@
         <p:nvSpPr>
           <p:cNvPr id="2" name="Slide Image Placeholder 1"/>
           <p:cNvSpPr>
-            <a:spLocks noGrp="1"/>
+            <a:spLocks noGrp="1" noRot="1" noChangeAspect="1"/>
           </p:cNvSpPr>
           <p:nvPr>
             <p:ph type="sldImg" idx="2"/>
@@ -645,7 +439,7 @@
             <a:spLocks noGrp="1"/>
           </p:cNvSpPr>
           <p:nvPr>
-            <p:ph type="body" idx="3" sz="quarter"/>
+            <p:ph type="body" sz="quarter" idx="3"/>
           </p:nvPr>
         </p:nvSpPr>
         <p:spPr/>
@@ -666,7 +460,7 @@
             <a:spLocks noGrp="1"/>
           </p:cNvSpPr>
           <p:nvPr>
-            <p:ph type="sldNum" idx="5" sz="quarter"/>
+            <p:ph type="sldNum" sz="quarter" idx="5"/>
           </p:nvPr>
         </p:nvSpPr>
         <p:spPr/>
@@ -680,7 +474,7 @@
 </file>
 
 <file path=ppt/notesSlides/notesSlide12.xml><?xml version="1.0" encoding="utf-8"?>
-<p:notes xmlns:a="http://schemas.openxmlformats.org/drawingml/2006/main" xmlns:p="http://schemas.openxmlformats.org/presentationml/2006/main" xmlns:r="http://schemas.openxmlformats.org/officeDocument/2006/relationships">
+<p:notes xmlns:a="http://schemas.openxmlformats.org/drawingml/2006/main" xmlns:r="http://schemas.openxmlformats.org/officeDocument/2006/relationships" xmlns:p="http://schemas.openxmlformats.org/presentationml/2006/main">
   <p:cSld>
     <p:spTree>
       <p:nvGrpSpPr>
@@ -700,7 +494,7 @@
         <p:nvSpPr>
           <p:cNvPr id="2" name="Slide Image Placeholder 1"/>
           <p:cNvSpPr>
-            <a:spLocks noGrp="1"/>
+            <a:spLocks noGrp="1" noRot="1" noChangeAspect="1"/>
           </p:cNvSpPr>
           <p:nvPr>
             <p:ph type="sldImg" idx="2"/>
@@ -715,7 +509,7 @@
             <a:spLocks noGrp="1"/>
           </p:cNvSpPr>
           <p:nvPr>
-            <p:ph type="body" idx="3" sz="quarter"/>
+            <p:ph type="body" sz="quarter" idx="3"/>
           </p:nvPr>
         </p:nvSpPr>
         <p:spPr/>
@@ -736,7 +530,7 @@
             <a:spLocks noGrp="1"/>
           </p:cNvSpPr>
           <p:nvPr>
-            <p:ph type="sldNum" idx="5" sz="quarter"/>
+            <p:ph type="sldNum" sz="quarter" idx="5"/>
           </p:nvPr>
         </p:nvSpPr>
         <p:spPr/>
@@ -750,7 +544,7 @@
 </file>
 
 <file path=ppt/notesSlides/notesSlide13.xml><?xml version="1.0" encoding="utf-8"?>
-<p:notes xmlns:a="http://schemas.openxmlformats.org/drawingml/2006/main" xmlns:p="http://schemas.openxmlformats.org/presentationml/2006/main" xmlns:r="http://schemas.openxmlformats.org/officeDocument/2006/relationships">
+<p:notes xmlns:a="http://schemas.openxmlformats.org/drawingml/2006/main" xmlns:r="http://schemas.openxmlformats.org/officeDocument/2006/relationships" xmlns:p="http://schemas.openxmlformats.org/presentationml/2006/main">
   <p:cSld>
     <p:spTree>
       <p:nvGrpSpPr>
@@ -770,7 +564,7 @@
         <p:nvSpPr>
           <p:cNvPr id="2" name="Slide Image Placeholder 1"/>
           <p:cNvSpPr>
-            <a:spLocks noGrp="1"/>
+            <a:spLocks noGrp="1" noRot="1" noChangeAspect="1"/>
           </p:cNvSpPr>
           <p:nvPr>
             <p:ph type="sldImg" idx="2"/>
@@ -785,7 +579,7 @@
             <a:spLocks noGrp="1"/>
           </p:cNvSpPr>
           <p:nvPr>
-            <p:ph type="body" idx="3" sz="quarter"/>
+            <p:ph type="body" sz="quarter" idx="3"/>
           </p:nvPr>
         </p:nvSpPr>
         <p:spPr/>
@@ -806,7 +600,7 @@
             <a:spLocks noGrp="1"/>
           </p:cNvSpPr>
           <p:nvPr>
-            <p:ph type="sldNum" idx="5" sz="quarter"/>
+            <p:ph type="sldNum" sz="quarter" idx="5"/>
           </p:nvPr>
         </p:nvSpPr>
         <p:spPr/>
@@ -820,7 +614,7 @@
 </file>
 
 <file path=ppt/notesSlides/notesSlide2.xml><?xml version="1.0" encoding="utf-8"?>
-<p:notes xmlns:a="http://schemas.openxmlformats.org/drawingml/2006/main" xmlns:p="http://schemas.openxmlformats.org/presentationml/2006/main" xmlns:r="http://schemas.openxmlformats.org/officeDocument/2006/relationships">
+<p:notes xmlns:a="http://schemas.openxmlformats.org/drawingml/2006/main" xmlns:r="http://schemas.openxmlformats.org/officeDocument/2006/relationships" xmlns:p="http://schemas.openxmlformats.org/presentationml/2006/main">
   <p:cSld>
     <p:spTree>
       <p:nvGrpSpPr>
@@ -840,7 +634,7 @@
         <p:nvSpPr>
           <p:cNvPr id="2" name="Slide Image Placeholder 1"/>
           <p:cNvSpPr>
-            <a:spLocks noGrp="1"/>
+            <a:spLocks noGrp="1" noRot="1" noChangeAspect="1"/>
           </p:cNvSpPr>
           <p:nvPr>
             <p:ph type="sldImg" idx="2"/>
@@ -855,7 +649,7 @@
             <a:spLocks noGrp="1"/>
           </p:cNvSpPr>
           <p:nvPr>
-            <p:ph type="body" idx="3" sz="quarter"/>
+            <p:ph type="body" sz="quarter" idx="3"/>
           </p:nvPr>
         </p:nvSpPr>
         <p:spPr/>
@@ -876,7 +670,7 @@
             <a:spLocks noGrp="1"/>
           </p:cNvSpPr>
           <p:nvPr>
-            <p:ph type="sldNum" idx="5" sz="quarter"/>
+            <p:ph type="sldNum" sz="quarter" idx="5"/>
           </p:nvPr>
         </p:nvSpPr>
         <p:spPr/>
@@ -890,7 +684,7 @@
 </file>
 
 <file path=ppt/notesSlides/notesSlide3.xml><?xml version="1.0" encoding="utf-8"?>
-<p:notes xmlns:a="http://schemas.openxmlformats.org/drawingml/2006/main" xmlns:p="http://schemas.openxmlformats.org/presentationml/2006/main" xmlns:r="http://schemas.openxmlformats.org/officeDocument/2006/relationships">
+<p:notes xmlns:a="http://schemas.openxmlformats.org/drawingml/2006/main" xmlns:r="http://schemas.openxmlformats.org/officeDocument/2006/relationships" xmlns:p="http://schemas.openxmlformats.org/presentationml/2006/main">
   <p:cSld>
     <p:spTree>
       <p:nvGrpSpPr>
@@ -910,7 +704,7 @@
         <p:nvSpPr>
           <p:cNvPr id="2" name="Slide Image Placeholder 1"/>
           <p:cNvSpPr>
-            <a:spLocks noGrp="1"/>
+            <a:spLocks noGrp="1" noRot="1" noChangeAspect="1"/>
           </p:cNvSpPr>
           <p:nvPr>
             <p:ph type="sldImg" idx="2"/>
@@ -925,7 +719,7 @@
             <a:spLocks noGrp="1"/>
           </p:cNvSpPr>
           <p:nvPr>
-            <p:ph type="body" idx="3" sz="quarter"/>
+            <p:ph type="body" sz="quarter" idx="3"/>
           </p:nvPr>
         </p:nvSpPr>
         <p:spPr/>
@@ -946,7 +740,7 @@
             <a:spLocks noGrp="1"/>
           </p:cNvSpPr>
           <p:nvPr>
-            <p:ph type="sldNum" idx="5" sz="quarter"/>
+            <p:ph type="sldNum" sz="quarter" idx="5"/>
           </p:nvPr>
         </p:nvSpPr>
         <p:spPr/>
@@ -960,7 +754,7 @@
 </file>
 
 <file path=ppt/notesSlides/notesSlide4.xml><?xml version="1.0" encoding="utf-8"?>
-<p:notes xmlns:a="http://schemas.openxmlformats.org/drawingml/2006/main" xmlns:p="http://schemas.openxmlformats.org/presentationml/2006/main" xmlns:r="http://schemas.openxmlformats.org/officeDocument/2006/relationships">
+<p:notes xmlns:a="http://schemas.openxmlformats.org/drawingml/2006/main" xmlns:r="http://schemas.openxmlformats.org/officeDocument/2006/relationships" xmlns:p="http://schemas.openxmlformats.org/presentationml/2006/main">
   <p:cSld>
     <p:spTree>
       <p:nvGrpSpPr>
@@ -980,7 +774,7 @@
         <p:nvSpPr>
           <p:cNvPr id="2" name="Slide Image Placeholder 1"/>
           <p:cNvSpPr>
-            <a:spLocks noGrp="1"/>
+            <a:spLocks noGrp="1" noRot="1" noChangeAspect="1"/>
           </p:cNvSpPr>
           <p:nvPr>
             <p:ph type="sldImg" idx="2"/>
@@ -995,15 +789,16 @@
             <a:spLocks noGrp="1"/>
           </p:cNvSpPr>
           <p:nvPr>
-            <p:ph type="body" idx="3" sz="quarter"/>
-          </p:nvPr>
-        </p:nvSpPr>
-        <p:spPr/>
-        <p:txBody>
-          <a:bodyPr/>
-          <a:lstStyle/>
-          <a:p>
-            <a:r>
+            <p:ph type="body" sz="quarter" idx="3"/>
+          </p:nvPr>
+        </p:nvSpPr>
+        <p:spPr/>
+        <p:txBody>
+          <a:bodyPr/>
+          <a:lstStyle/>
+          <a:p>
+            <a:r>
+              <a:rPr dirty="0"/>
               <a:t>This slide connects each part of the honor code with networking behaviors. Pause at each to ask for examples from the group.</a:t>
             </a:r>
           </a:p>
@@ -1016,7 +811,7 @@
             <a:spLocks noGrp="1"/>
           </p:cNvSpPr>
           <p:nvPr>
-            <p:ph type="sldNum" idx="5" sz="quarter"/>
+            <p:ph type="sldNum" sz="quarter" idx="5"/>
           </p:nvPr>
         </p:nvSpPr>
         <p:spPr/>
@@ -1030,7 +825,7 @@
 </file>
 
 <file path=ppt/notesSlides/notesSlide5.xml><?xml version="1.0" encoding="utf-8"?>
-<p:notes xmlns:a="http://schemas.openxmlformats.org/drawingml/2006/main" xmlns:p="http://schemas.openxmlformats.org/presentationml/2006/main" xmlns:r="http://schemas.openxmlformats.org/officeDocument/2006/relationships">
+<p:notes xmlns:a="http://schemas.openxmlformats.org/drawingml/2006/main" xmlns:r="http://schemas.openxmlformats.org/officeDocument/2006/relationships" xmlns:p="http://schemas.openxmlformats.org/presentationml/2006/main">
   <p:cSld>
     <p:spTree>
       <p:nvGrpSpPr>
@@ -1050,7 +845,7 @@
         <p:nvSpPr>
           <p:cNvPr id="2" name="Slide Image Placeholder 1"/>
           <p:cNvSpPr>
-            <a:spLocks noGrp="1"/>
+            <a:spLocks noGrp="1" noRot="1" noChangeAspect="1"/>
           </p:cNvSpPr>
           <p:nvPr>
             <p:ph type="sldImg" idx="2"/>
@@ -1065,7 +860,7 @@
             <a:spLocks noGrp="1"/>
           </p:cNvSpPr>
           <p:nvPr>
-            <p:ph type="body" idx="3" sz="quarter"/>
+            <p:ph type="body" sz="quarter" idx="3"/>
           </p:nvPr>
         </p:nvSpPr>
         <p:spPr/>
@@ -1086,7 +881,7 @@
             <a:spLocks noGrp="1"/>
           </p:cNvSpPr>
           <p:nvPr>
-            <p:ph type="sldNum" idx="5" sz="quarter"/>
+            <p:ph type="sldNum" sz="quarter" idx="5"/>
           </p:nvPr>
         </p:nvSpPr>
         <p:spPr/>
@@ -1100,7 +895,7 @@
 </file>
 
 <file path=ppt/notesSlides/notesSlide6.xml><?xml version="1.0" encoding="utf-8"?>
-<p:notes xmlns:a="http://schemas.openxmlformats.org/drawingml/2006/main" xmlns:p="http://schemas.openxmlformats.org/presentationml/2006/main" xmlns:r="http://schemas.openxmlformats.org/officeDocument/2006/relationships">
+<p:notes xmlns:a="http://schemas.openxmlformats.org/drawingml/2006/main" xmlns:r="http://schemas.openxmlformats.org/officeDocument/2006/relationships" xmlns:p="http://schemas.openxmlformats.org/presentationml/2006/main">
   <p:cSld>
     <p:spTree>
       <p:nvGrpSpPr>
@@ -1120,7 +915,7 @@
         <p:nvSpPr>
           <p:cNvPr id="2" name="Slide Image Placeholder 1"/>
           <p:cNvSpPr>
-            <a:spLocks noGrp="1"/>
+            <a:spLocks noGrp="1" noRot="1" noChangeAspect="1"/>
           </p:cNvSpPr>
           <p:nvPr>
             <p:ph type="sldImg" idx="2"/>
@@ -1135,7 +930,7 @@
             <a:spLocks noGrp="1"/>
           </p:cNvSpPr>
           <p:nvPr>
-            <p:ph type="body" idx="3" sz="quarter"/>
+            <p:ph type="body" sz="quarter" idx="3"/>
           </p:nvPr>
         </p:nvSpPr>
         <p:spPr/>
@@ -1156,7 +951,7 @@
             <a:spLocks noGrp="1"/>
           </p:cNvSpPr>
           <p:nvPr>
-            <p:ph type="sldNum" idx="5" sz="quarter"/>
+            <p:ph type="sldNum" sz="quarter" idx="5"/>
           </p:nvPr>
         </p:nvSpPr>
         <p:spPr/>
@@ -1170,7 +965,7 @@
 </file>
 
 <file path=ppt/notesSlides/notesSlide7.xml><?xml version="1.0" encoding="utf-8"?>
-<p:notes xmlns:a="http://schemas.openxmlformats.org/drawingml/2006/main" xmlns:p="http://schemas.openxmlformats.org/presentationml/2006/main" xmlns:r="http://schemas.openxmlformats.org/officeDocument/2006/relationships">
+<p:notes xmlns:a="http://schemas.openxmlformats.org/drawingml/2006/main" xmlns:r="http://schemas.openxmlformats.org/officeDocument/2006/relationships" xmlns:p="http://schemas.openxmlformats.org/presentationml/2006/main">
   <p:cSld>
     <p:spTree>
       <p:nvGrpSpPr>
@@ -1190,7 +985,7 @@
         <p:nvSpPr>
           <p:cNvPr id="2" name="Slide Image Placeholder 1"/>
           <p:cNvSpPr>
-            <a:spLocks noGrp="1"/>
+            <a:spLocks noGrp="1" noRot="1" noChangeAspect="1"/>
           </p:cNvSpPr>
           <p:nvPr>
             <p:ph type="sldImg" idx="2"/>
@@ -1205,7 +1000,7 @@
             <a:spLocks noGrp="1"/>
           </p:cNvSpPr>
           <p:nvPr>
-            <p:ph type="body" idx="3" sz="quarter"/>
+            <p:ph type="body" sz="quarter" idx="3"/>
           </p:nvPr>
         </p:nvSpPr>
         <p:spPr/>
@@ -1226,7 +1021,7 @@
             <a:spLocks noGrp="1"/>
           </p:cNvSpPr>
           <p:nvPr>
-            <p:ph type="sldNum" idx="5" sz="quarter"/>
+            <p:ph type="sldNum" sz="quarter" idx="5"/>
           </p:nvPr>
         </p:nvSpPr>
         <p:spPr/>
@@ -1240,7 +1035,7 @@
 </file>
 
 <file path=ppt/notesSlides/notesSlide8.xml><?xml version="1.0" encoding="utf-8"?>
-<p:notes xmlns:a="http://schemas.openxmlformats.org/drawingml/2006/main" xmlns:p="http://schemas.openxmlformats.org/presentationml/2006/main" xmlns:r="http://schemas.openxmlformats.org/officeDocument/2006/relationships">
+<p:notes xmlns:a="http://schemas.openxmlformats.org/drawingml/2006/main" xmlns:r="http://schemas.openxmlformats.org/officeDocument/2006/relationships" xmlns:p="http://schemas.openxmlformats.org/presentationml/2006/main">
   <p:cSld>
     <p:spTree>
       <p:nvGrpSpPr>
@@ -1260,7 +1055,7 @@
         <p:nvSpPr>
           <p:cNvPr id="2" name="Slide Image Placeholder 1"/>
           <p:cNvSpPr>
-            <a:spLocks noGrp="1"/>
+            <a:spLocks noGrp="1" noRot="1" noChangeAspect="1"/>
           </p:cNvSpPr>
           <p:nvPr>
             <p:ph type="sldImg" idx="2"/>
@@ -1275,7 +1070,7 @@
             <a:spLocks noGrp="1"/>
           </p:cNvSpPr>
           <p:nvPr>
-            <p:ph type="body" idx="3" sz="quarter"/>
+            <p:ph type="body" sz="quarter" idx="3"/>
           </p:nvPr>
         </p:nvSpPr>
         <p:spPr/>
@@ -1296,7 +1091,7 @@
             <a:spLocks noGrp="1"/>
           </p:cNvSpPr>
           <p:nvPr>
-            <p:ph type="sldNum" idx="5" sz="quarter"/>
+            <p:ph type="sldNum" sz="quarter" idx="5"/>
           </p:nvPr>
         </p:nvSpPr>
         <p:spPr/>
@@ -1310,7 +1105,7 @@
 </file>
 
 <file path=ppt/notesSlides/notesSlide9.xml><?xml version="1.0" encoding="utf-8"?>
-<p:notes xmlns:a="http://schemas.openxmlformats.org/drawingml/2006/main" xmlns:p="http://schemas.openxmlformats.org/presentationml/2006/main" xmlns:r="http://schemas.openxmlformats.org/officeDocument/2006/relationships">
+<p:notes xmlns:a="http://schemas.openxmlformats.org/drawingml/2006/main" xmlns:r="http://schemas.openxmlformats.org/officeDocument/2006/relationships" xmlns:p="http://schemas.openxmlformats.org/presentationml/2006/main">
   <p:cSld>
     <p:spTree>
       <p:nvGrpSpPr>
@@ -1330,7 +1125,7 @@
         <p:nvSpPr>
           <p:cNvPr id="2" name="Slide Image Placeholder 1"/>
           <p:cNvSpPr>
-            <a:spLocks noGrp="1"/>
+            <a:spLocks noGrp="1" noRot="1" noChangeAspect="1"/>
           </p:cNvSpPr>
           <p:nvPr>
             <p:ph type="sldImg" idx="2"/>
@@ -1345,7 +1140,7 @@
             <a:spLocks noGrp="1"/>
           </p:cNvSpPr>
           <p:nvPr>
-            <p:ph type="body" idx="3" sz="quarter"/>
+            <p:ph type="body" sz="quarter" idx="3"/>
           </p:nvPr>
         </p:nvSpPr>
         <p:spPr/>
@@ -1366,7 +1161,7 @@
             <a:spLocks noGrp="1"/>
           </p:cNvSpPr>
           <p:nvPr>
-            <p:ph type="sldNum" idx="5" sz="quarter"/>
+            <p:ph type="sldNum" sz="quarter" idx="5"/>
           </p:nvPr>
         </p:nvSpPr>
         <p:spPr/>
@@ -1417,10 +1212,9 @@
           <a:lstStyle/>
           <a:p>
             <a:r>
-              <a:rPr lang="en-US" smtClean="0"/>
+              <a:rPr lang="en-US"/>
               <a:t>Click to edit Master title style</a:t>
             </a:r>
-            <a:endParaRPr lang="en-US"/>
           </a:p>
         </p:txBody>
       </p:sp>
@@ -1536,10 +1330,9 @@
           </a:lstStyle>
           <a:p>
             <a:r>
-              <a:rPr lang="en-US" smtClean="0"/>
+              <a:rPr lang="en-US"/>
               <a:t>Click to edit Master subtitle style</a:t>
             </a:r>
-            <a:endParaRPr lang="en-US"/>
           </a:p>
         </p:txBody>
       </p:sp>
@@ -1560,7 +1353,7 @@
           <a:p>
             <a:fld id="{5BCAD085-E8A6-8845-BD4E-CB4CCA059FC4}" type="datetimeFigureOut">
               <a:rPr lang="en-US" smtClean="0"/>
-              <a:t>1/27/13</a:t>
+              <a:t>8/26/2025</a:t>
             </a:fld>
             <a:endParaRPr lang="en-US"/>
           </a:p>
@@ -1654,10 +1447,9 @@
           <a:lstStyle/>
           <a:p>
             <a:r>
-              <a:rPr lang="en-US" smtClean="0"/>
+              <a:rPr lang="en-US"/>
               <a:t>Click to edit Master title style</a:t>
             </a:r>
-            <a:endParaRPr lang="en-US"/>
           </a:p>
         </p:txBody>
       </p:sp>
@@ -1678,38 +1470,37 @@
           <a:p>
             <a:pPr lvl="0"/>
             <a:r>
-              <a:rPr lang="en-US" smtClean="0"/>
+              <a:rPr lang="en-US"/>
               <a:t>Click to edit Master text styles</a:t>
             </a:r>
           </a:p>
           <a:p>
             <a:pPr lvl="1"/>
             <a:r>
-              <a:rPr lang="en-US" smtClean="0"/>
+              <a:rPr lang="en-US"/>
               <a:t>Second level</a:t>
             </a:r>
           </a:p>
           <a:p>
             <a:pPr lvl="2"/>
             <a:r>
-              <a:rPr lang="en-US" smtClean="0"/>
+              <a:rPr lang="en-US"/>
               <a:t>Third level</a:t>
             </a:r>
           </a:p>
           <a:p>
             <a:pPr lvl="3"/>
             <a:r>
-              <a:rPr lang="en-US" smtClean="0"/>
+              <a:rPr lang="en-US"/>
               <a:t>Fourth level</a:t>
             </a:r>
           </a:p>
           <a:p>
             <a:pPr lvl="4"/>
             <a:r>
-              <a:rPr lang="en-US" smtClean="0"/>
+              <a:rPr lang="en-US"/>
               <a:t>Fifth level</a:t>
             </a:r>
-            <a:endParaRPr lang="en-US"/>
           </a:p>
         </p:txBody>
       </p:sp>
@@ -1730,7 +1521,7 @@
           <a:p>
             <a:fld id="{5BCAD085-E8A6-8845-BD4E-CB4CCA059FC4}" type="datetimeFigureOut">
               <a:rPr lang="en-US" smtClean="0"/>
-              <a:t>1/27/13</a:t>
+              <a:t>8/26/2025</a:t>
             </a:fld>
             <a:endParaRPr lang="en-US"/>
           </a:p>
@@ -1829,10 +1620,9 @@
           <a:lstStyle/>
           <a:p>
             <a:r>
-              <a:rPr lang="en-US" smtClean="0"/>
+              <a:rPr lang="en-US"/>
               <a:t>Click to edit Master title style</a:t>
             </a:r>
-            <a:endParaRPr lang="en-US"/>
           </a:p>
         </p:txBody>
       </p:sp>
@@ -1858,38 +1648,37 @@
           <a:p>
             <a:pPr lvl="0"/>
             <a:r>
-              <a:rPr lang="en-US" smtClean="0"/>
+              <a:rPr lang="en-US"/>
               <a:t>Click to edit Master text styles</a:t>
             </a:r>
           </a:p>
           <a:p>
             <a:pPr lvl="1"/>
             <a:r>
-              <a:rPr lang="en-US" smtClean="0"/>
+              <a:rPr lang="en-US"/>
               <a:t>Second level</a:t>
             </a:r>
           </a:p>
           <a:p>
             <a:pPr lvl="2"/>
             <a:r>
-              <a:rPr lang="en-US" smtClean="0"/>
+              <a:rPr lang="en-US"/>
               <a:t>Third level</a:t>
             </a:r>
           </a:p>
           <a:p>
             <a:pPr lvl="3"/>
             <a:r>
-              <a:rPr lang="en-US" smtClean="0"/>
+              <a:rPr lang="en-US"/>
               <a:t>Fourth level</a:t>
             </a:r>
           </a:p>
           <a:p>
             <a:pPr lvl="4"/>
             <a:r>
-              <a:rPr lang="en-US" smtClean="0"/>
+              <a:rPr lang="en-US"/>
               <a:t>Fifth level</a:t>
             </a:r>
-            <a:endParaRPr lang="en-US"/>
           </a:p>
         </p:txBody>
       </p:sp>
@@ -1910,7 +1699,7 @@
           <a:p>
             <a:fld id="{5BCAD085-E8A6-8845-BD4E-CB4CCA059FC4}" type="datetimeFigureOut">
               <a:rPr lang="en-US" smtClean="0"/>
-              <a:t>1/27/13</a:t>
+              <a:t>8/26/2025</a:t>
             </a:fld>
             <a:endParaRPr lang="en-US"/>
           </a:p>
@@ -2004,10 +1793,9 @@
           <a:lstStyle/>
           <a:p>
             <a:r>
-              <a:rPr lang="en-US" smtClean="0"/>
+              <a:rPr lang="en-US"/>
               <a:t>Click to edit Master title style</a:t>
             </a:r>
-            <a:endParaRPr lang="en-US"/>
           </a:p>
         </p:txBody>
       </p:sp>
@@ -2028,38 +1816,37 @@
           <a:p>
             <a:pPr lvl="0"/>
             <a:r>
-              <a:rPr lang="en-US" smtClean="0"/>
+              <a:rPr lang="en-US"/>
               <a:t>Click to edit Master text styles</a:t>
             </a:r>
           </a:p>
           <a:p>
             <a:pPr lvl="1"/>
             <a:r>
-              <a:rPr lang="en-US" smtClean="0"/>
+              <a:rPr lang="en-US"/>
               <a:t>Second level</a:t>
             </a:r>
           </a:p>
           <a:p>
             <a:pPr lvl="2"/>
             <a:r>
-              <a:rPr lang="en-US" smtClean="0"/>
+              <a:rPr lang="en-US"/>
               <a:t>Third level</a:t>
             </a:r>
           </a:p>
           <a:p>
             <a:pPr lvl="3"/>
             <a:r>
-              <a:rPr lang="en-US" smtClean="0"/>
+              <a:rPr lang="en-US"/>
               <a:t>Fourth level</a:t>
             </a:r>
           </a:p>
           <a:p>
             <a:pPr lvl="4"/>
             <a:r>
-              <a:rPr lang="en-US" smtClean="0"/>
+              <a:rPr lang="en-US"/>
               <a:t>Fifth level</a:t>
             </a:r>
-            <a:endParaRPr lang="en-US"/>
           </a:p>
         </p:txBody>
       </p:sp>
@@ -2080,7 +1867,7 @@
           <a:p>
             <a:fld id="{5BCAD085-E8A6-8845-BD4E-CB4CCA059FC4}" type="datetimeFigureOut">
               <a:rPr lang="en-US" smtClean="0"/>
-              <a:t>1/27/13</a:t>
+              <a:t>8/26/2025</a:t>
             </a:fld>
             <a:endParaRPr lang="en-US"/>
           </a:p>
@@ -2183,10 +1970,9 @@
           </a:lstStyle>
           <a:p>
             <a:r>
-              <a:rPr lang="en-US" smtClean="0"/>
+              <a:rPr lang="en-US"/>
               <a:t>Click to edit Master title style</a:t>
             </a:r>
-            <a:endParaRPr lang="en-US"/>
           </a:p>
         </p:txBody>
       </p:sp>
@@ -2303,7 +2089,7 @@
           <a:p>
             <a:pPr lvl="0"/>
             <a:r>
-              <a:rPr lang="en-US" smtClean="0"/>
+              <a:rPr lang="en-US"/>
               <a:t>Click to edit Master text styles</a:t>
             </a:r>
           </a:p>
@@ -2326,7 +2112,7 @@
           <a:p>
             <a:fld id="{5BCAD085-E8A6-8845-BD4E-CB4CCA059FC4}" type="datetimeFigureOut">
               <a:rPr lang="en-US" smtClean="0"/>
-              <a:t>1/27/13</a:t>
+              <a:t>8/26/2025</a:t>
             </a:fld>
             <a:endParaRPr lang="en-US"/>
           </a:p>
@@ -2420,10 +2206,9 @@
           <a:lstStyle/>
           <a:p>
             <a:r>
-              <a:rPr lang="en-US" smtClean="0"/>
+              <a:rPr lang="en-US"/>
               <a:t>Click to edit Master title style</a:t>
             </a:r>
-            <a:endParaRPr lang="en-US"/>
           </a:p>
         </p:txBody>
       </p:sp>
@@ -2477,38 +2262,37 @@
           <a:p>
             <a:pPr lvl="0"/>
             <a:r>
-              <a:rPr lang="en-US" smtClean="0"/>
+              <a:rPr lang="en-US"/>
               <a:t>Click to edit Master text styles</a:t>
             </a:r>
           </a:p>
           <a:p>
             <a:pPr lvl="1"/>
             <a:r>
-              <a:rPr lang="en-US" smtClean="0"/>
+              <a:rPr lang="en-US"/>
               <a:t>Second level</a:t>
             </a:r>
           </a:p>
           <a:p>
             <a:pPr lvl="2"/>
             <a:r>
-              <a:rPr lang="en-US" smtClean="0"/>
+              <a:rPr lang="en-US"/>
               <a:t>Third level</a:t>
             </a:r>
           </a:p>
           <a:p>
             <a:pPr lvl="3"/>
             <a:r>
-              <a:rPr lang="en-US" smtClean="0"/>
+              <a:rPr lang="en-US"/>
               <a:t>Fourth level</a:t>
             </a:r>
           </a:p>
           <a:p>
             <a:pPr lvl="4"/>
             <a:r>
-              <a:rPr lang="en-US" smtClean="0"/>
+              <a:rPr lang="en-US"/>
               <a:t>Fifth level</a:t>
             </a:r>
-            <a:endParaRPr lang="en-US"/>
           </a:p>
         </p:txBody>
       </p:sp>
@@ -2562,38 +2346,37 @@
           <a:p>
             <a:pPr lvl="0"/>
             <a:r>
-              <a:rPr lang="en-US" smtClean="0"/>
+              <a:rPr lang="en-US"/>
               <a:t>Click to edit Master text styles</a:t>
             </a:r>
           </a:p>
           <a:p>
             <a:pPr lvl="1"/>
             <a:r>
-              <a:rPr lang="en-US" smtClean="0"/>
+              <a:rPr lang="en-US"/>
               <a:t>Second level</a:t>
             </a:r>
           </a:p>
           <a:p>
             <a:pPr lvl="2"/>
             <a:r>
-              <a:rPr lang="en-US" smtClean="0"/>
+              <a:rPr lang="en-US"/>
               <a:t>Third level</a:t>
             </a:r>
           </a:p>
           <a:p>
             <a:pPr lvl="3"/>
             <a:r>
-              <a:rPr lang="en-US" smtClean="0"/>
+              <a:rPr lang="en-US"/>
               <a:t>Fourth level</a:t>
             </a:r>
           </a:p>
           <a:p>
             <a:pPr lvl="4"/>
             <a:r>
-              <a:rPr lang="en-US" smtClean="0"/>
+              <a:rPr lang="en-US"/>
               <a:t>Fifth level</a:t>
             </a:r>
-            <a:endParaRPr lang="en-US"/>
           </a:p>
         </p:txBody>
       </p:sp>
@@ -2614,7 +2397,7 @@
           <a:p>
             <a:fld id="{5BCAD085-E8A6-8845-BD4E-CB4CCA059FC4}" type="datetimeFigureOut">
               <a:rPr lang="en-US" smtClean="0"/>
-              <a:t>1/27/13</a:t>
+              <a:t>8/26/2025</a:t>
             </a:fld>
             <a:endParaRPr lang="en-US"/>
           </a:p>
@@ -2712,10 +2495,9 @@
           </a:lstStyle>
           <a:p>
             <a:r>
-              <a:rPr lang="en-US" smtClean="0"/>
+              <a:rPr lang="en-US"/>
               <a:t>Click to edit Master title style</a:t>
             </a:r>
-            <a:endParaRPr lang="en-US"/>
           </a:p>
         </p:txBody>
       </p:sp>
@@ -2778,7 +2560,7 @@
           <a:p>
             <a:pPr lvl="0"/>
             <a:r>
-              <a:rPr lang="en-US" smtClean="0"/>
+              <a:rPr lang="en-US"/>
               <a:t>Click to edit Master text styles</a:t>
             </a:r>
           </a:p>
@@ -2834,38 +2616,37 @@
           <a:p>
             <a:pPr lvl="0"/>
             <a:r>
-              <a:rPr lang="en-US" smtClean="0"/>
+              <a:rPr lang="en-US"/>
               <a:t>Click to edit Master text styles</a:t>
             </a:r>
           </a:p>
           <a:p>
             <a:pPr lvl="1"/>
             <a:r>
-              <a:rPr lang="en-US" smtClean="0"/>
+              <a:rPr lang="en-US"/>
               <a:t>Second level</a:t>
             </a:r>
           </a:p>
           <a:p>
             <a:pPr lvl="2"/>
             <a:r>
-              <a:rPr lang="en-US" smtClean="0"/>
+              <a:rPr lang="en-US"/>
               <a:t>Third level</a:t>
             </a:r>
           </a:p>
           <a:p>
             <a:pPr lvl="3"/>
             <a:r>
-              <a:rPr lang="en-US" smtClean="0"/>
+              <a:rPr lang="en-US"/>
               <a:t>Fourth level</a:t>
             </a:r>
           </a:p>
           <a:p>
             <a:pPr lvl="4"/>
             <a:r>
-              <a:rPr lang="en-US" smtClean="0"/>
+              <a:rPr lang="en-US"/>
               <a:t>Fifth level</a:t>
             </a:r>
-            <a:endParaRPr lang="en-US"/>
           </a:p>
         </p:txBody>
       </p:sp>
@@ -2928,7 +2709,7 @@
           <a:p>
             <a:pPr lvl="0"/>
             <a:r>
-              <a:rPr lang="en-US" smtClean="0"/>
+              <a:rPr lang="en-US"/>
               <a:t>Click to edit Master text styles</a:t>
             </a:r>
           </a:p>
@@ -2984,38 +2765,37 @@
           <a:p>
             <a:pPr lvl="0"/>
             <a:r>
-              <a:rPr lang="en-US" smtClean="0"/>
+              <a:rPr lang="en-US"/>
               <a:t>Click to edit Master text styles</a:t>
             </a:r>
           </a:p>
           <a:p>
             <a:pPr lvl="1"/>
             <a:r>
-              <a:rPr lang="en-US" smtClean="0"/>
+              <a:rPr lang="en-US"/>
               <a:t>Second level</a:t>
             </a:r>
           </a:p>
           <a:p>
             <a:pPr lvl="2"/>
             <a:r>
-              <a:rPr lang="en-US" smtClean="0"/>
+              <a:rPr lang="en-US"/>
               <a:t>Third level</a:t>
             </a:r>
           </a:p>
           <a:p>
             <a:pPr lvl="3"/>
             <a:r>
-              <a:rPr lang="en-US" smtClean="0"/>
+              <a:rPr lang="en-US"/>
               <a:t>Fourth level</a:t>
             </a:r>
           </a:p>
           <a:p>
             <a:pPr lvl="4"/>
             <a:r>
-              <a:rPr lang="en-US" smtClean="0"/>
+              <a:rPr lang="en-US"/>
               <a:t>Fifth level</a:t>
             </a:r>
-            <a:endParaRPr lang="en-US"/>
           </a:p>
         </p:txBody>
       </p:sp>
@@ -3036,7 +2816,7 @@
           <a:p>
             <a:fld id="{5BCAD085-E8A6-8845-BD4E-CB4CCA059FC4}" type="datetimeFigureOut">
               <a:rPr lang="en-US" smtClean="0"/>
-              <a:t>1/27/13</a:t>
+              <a:t>8/26/2025</a:t>
             </a:fld>
             <a:endParaRPr lang="en-US"/>
           </a:p>
@@ -3130,10 +2910,9 @@
           <a:lstStyle/>
           <a:p>
             <a:r>
-              <a:rPr lang="en-US" smtClean="0"/>
+              <a:rPr lang="en-US"/>
               <a:t>Click to edit Master title style</a:t>
             </a:r>
-            <a:endParaRPr lang="en-US"/>
           </a:p>
         </p:txBody>
       </p:sp>
@@ -3154,7 +2933,7 @@
           <a:p>
             <a:fld id="{5BCAD085-E8A6-8845-BD4E-CB4CCA059FC4}" type="datetimeFigureOut">
               <a:rPr lang="en-US" smtClean="0"/>
-              <a:t>1/27/13</a:t>
+              <a:t>8/26/2025</a:t>
             </a:fld>
             <a:endParaRPr lang="en-US"/>
           </a:p>
@@ -3249,7 +3028,7 @@
           <a:p>
             <a:fld id="{5BCAD085-E8A6-8845-BD4E-CB4CCA059FC4}" type="datetimeFigureOut">
               <a:rPr lang="en-US" smtClean="0"/>
-              <a:t>1/27/13</a:t>
+              <a:t>8/26/2025</a:t>
             </a:fld>
             <a:endParaRPr lang="en-US"/>
           </a:p>
@@ -3352,10 +3131,9 @@
           </a:lstStyle>
           <a:p>
             <a:r>
-              <a:rPr lang="en-US" smtClean="0"/>
+              <a:rPr lang="en-US"/>
               <a:t>Click to edit Master title style</a:t>
             </a:r>
-            <a:endParaRPr lang="en-US"/>
           </a:p>
         </p:txBody>
       </p:sp>
@@ -3409,38 +3187,37 @@
           <a:p>
             <a:pPr lvl="0"/>
             <a:r>
-              <a:rPr lang="en-US" smtClean="0"/>
+              <a:rPr lang="en-US"/>
               <a:t>Click to edit Master text styles</a:t>
             </a:r>
           </a:p>
           <a:p>
             <a:pPr lvl="1"/>
             <a:r>
-              <a:rPr lang="en-US" smtClean="0"/>
+              <a:rPr lang="en-US"/>
               <a:t>Second level</a:t>
             </a:r>
           </a:p>
           <a:p>
             <a:pPr lvl="2"/>
             <a:r>
-              <a:rPr lang="en-US" smtClean="0"/>
+              <a:rPr lang="en-US"/>
               <a:t>Third level</a:t>
             </a:r>
           </a:p>
           <a:p>
             <a:pPr lvl="3"/>
             <a:r>
-              <a:rPr lang="en-US" smtClean="0"/>
+              <a:rPr lang="en-US"/>
               <a:t>Fourth level</a:t>
             </a:r>
           </a:p>
           <a:p>
             <a:pPr lvl="4"/>
             <a:r>
-              <a:rPr lang="en-US" smtClean="0"/>
+              <a:rPr lang="en-US"/>
               <a:t>Fifth level</a:t>
             </a:r>
-            <a:endParaRPr lang="en-US"/>
           </a:p>
         </p:txBody>
       </p:sp>
@@ -3503,7 +3280,7 @@
           <a:p>
             <a:pPr lvl="0"/>
             <a:r>
-              <a:rPr lang="en-US" smtClean="0"/>
+              <a:rPr lang="en-US"/>
               <a:t>Click to edit Master text styles</a:t>
             </a:r>
           </a:p>
@@ -3526,7 +3303,7 @@
           <a:p>
             <a:fld id="{5BCAD085-E8A6-8845-BD4E-CB4CCA059FC4}" type="datetimeFigureOut">
               <a:rPr lang="en-US" smtClean="0"/>
-              <a:t>1/27/13</a:t>
+              <a:t>8/26/2025</a:t>
             </a:fld>
             <a:endParaRPr lang="en-US"/>
           </a:p>
@@ -3629,10 +3406,9 @@
           </a:lstStyle>
           <a:p>
             <a:r>
-              <a:rPr lang="en-US" smtClean="0"/>
+              <a:rPr lang="en-US"/>
               <a:t>Click to edit Master title style</a:t>
             </a:r>
-            <a:endParaRPr lang="en-US"/>
           </a:p>
         </p:txBody>
       </p:sp>
@@ -3756,7 +3532,7 @@
           <a:p>
             <a:pPr lvl="0"/>
             <a:r>
-              <a:rPr lang="en-US" smtClean="0"/>
+              <a:rPr lang="en-US"/>
               <a:t>Click to edit Master text styles</a:t>
             </a:r>
           </a:p>
@@ -3779,7 +3555,7 @@
           <a:p>
             <a:fld id="{5BCAD085-E8A6-8845-BD4E-CB4CCA059FC4}" type="datetimeFigureOut">
               <a:rPr lang="en-US" smtClean="0"/>
-              <a:t>1/27/13</a:t>
+              <a:t>8/26/2025</a:t>
             </a:fld>
             <a:endParaRPr lang="en-US"/>
           </a:p>
@@ -3888,10 +3664,9 @@
           <a:lstStyle/>
           <a:p>
             <a:r>
-              <a:rPr lang="en-US" smtClean="0"/>
+              <a:rPr lang="en-US"/>
               <a:t>Click to edit Master title style</a:t>
             </a:r>
-            <a:endParaRPr lang="en-US"/>
           </a:p>
         </p:txBody>
       </p:sp>
@@ -3922,38 +3697,37 @@
           <a:p>
             <a:pPr lvl="0"/>
             <a:r>
-              <a:rPr lang="en-US" smtClean="0"/>
+              <a:rPr lang="en-US"/>
               <a:t>Click to edit Master text styles</a:t>
             </a:r>
           </a:p>
           <a:p>
             <a:pPr lvl="1"/>
             <a:r>
-              <a:rPr lang="en-US" smtClean="0"/>
+              <a:rPr lang="en-US"/>
               <a:t>Second level</a:t>
             </a:r>
           </a:p>
           <a:p>
             <a:pPr lvl="2"/>
             <a:r>
-              <a:rPr lang="en-US" smtClean="0"/>
+              <a:rPr lang="en-US"/>
               <a:t>Third level</a:t>
             </a:r>
           </a:p>
           <a:p>
             <a:pPr lvl="3"/>
             <a:r>
-              <a:rPr lang="en-US" smtClean="0"/>
+              <a:rPr lang="en-US"/>
               <a:t>Fourth level</a:t>
             </a:r>
           </a:p>
           <a:p>
             <a:pPr lvl="4"/>
             <a:r>
-              <a:rPr lang="en-US" smtClean="0"/>
+              <a:rPr lang="en-US"/>
               <a:t>Fifth level</a:t>
             </a:r>
-            <a:endParaRPr lang="en-US"/>
           </a:p>
         </p:txBody>
       </p:sp>
@@ -3992,7 +3766,7 @@
           <a:p>
             <a:fld id="{5BCAD085-E8A6-8845-BD4E-CB4CCA059FC4}" type="datetimeFigureOut">
               <a:rPr lang="en-US" smtClean="0"/>
-              <a:t>1/27/13</a:t>
+              <a:t>8/26/2025</a:t>
             </a:fld>
             <a:endParaRPr lang="en-US"/>
           </a:p>
@@ -4351,7 +4125,7 @@
 </file>
 
 <file path=ppt/slides/slide1.xml><?xml version="1.0" encoding="utf-8"?>
-<p:sld xmlns:a="http://schemas.openxmlformats.org/drawingml/2006/main" xmlns:p="http://schemas.openxmlformats.org/presentationml/2006/main" xmlns:r="http://schemas.openxmlformats.org/officeDocument/2006/relationships">
+<p:sld xmlns:a="http://schemas.openxmlformats.org/drawingml/2006/main" xmlns:r="http://schemas.openxmlformats.org/officeDocument/2006/relationships" xmlns:p="http://schemas.openxmlformats.org/presentationml/2006/main">
   <p:cSld>
     <p:spTree>
       <p:nvGrpSpPr>
@@ -4359,7 +4133,14 @@
         <p:cNvGrpSpPr/>
         <p:nvPr/>
       </p:nvGrpSpPr>
-      <p:grpSpPr/>
+      <p:grpSpPr>
+        <a:xfrm>
+          <a:off x="0" y="0"/>
+          <a:ext cx="0" cy="0"/>
+          <a:chOff x="0" y="0"/>
+          <a:chExt cx="0" cy="0"/>
+        </a:xfrm>
+      </p:grpSpPr>
       <p:sp>
         <p:nvSpPr>
           <p:cNvPr id="2" name="Title 1"/>
@@ -4376,6 +4157,7 @@
           <a:lstStyle/>
           <a:p>
             <a:r>
+              <a:rPr dirty="0"/>
               <a:t>Networking as Self-Governance</a:t>
             </a:r>
           </a:p>
@@ -4396,19 +4178,37 @@
           <a:bodyPr/>
           <a:lstStyle/>
           <a:p>
-            <a:r>
+            <a:pPr marL="0" indent="0">
+              <a:buNone/>
+            </a:pPr>
+            <a:r>
+              <a:rPr dirty="0"/>
               <a:t>Building Connections That Matter</a:t>
             </a:r>
           </a:p>
           <a:p>
-            <a:r>
+            <a:pPr marL="0" indent="0">
+              <a:buNone/>
+            </a:pPr>
+            <a:r>
+              <a:rPr dirty="0"/>
               <a:t>Presented by George Mount</a:t>
             </a:r>
-          </a:p>
-          <a:p>
-            <a:r>
-              <a:t>Hosted by the Hillsdale College Alumni Office</a:t>
-            </a:r>
+            <a:endParaRPr lang="en-US" dirty="0"/>
+          </a:p>
+          <a:p>
+            <a:pPr marL="0" indent="0">
+              <a:buNone/>
+            </a:pPr>
+            <a:r>
+              <a:rPr dirty="0"/>
+              <a:t>Hosted by the Hillsdale College </a:t>
+            </a:r>
+            <a:r>
+              <a:rPr lang="en-US" dirty="0"/>
+              <a:t>Career Office</a:t>
+            </a:r>
+            <a:endParaRPr dirty="0"/>
           </a:p>
         </p:txBody>
       </p:sp>
@@ -4421,7 +4221,7 @@
 </file>
 
 <file path=ppt/slides/slide10.xml><?xml version="1.0" encoding="utf-8"?>
-<p:sld xmlns:a="http://schemas.openxmlformats.org/drawingml/2006/main" xmlns:p="http://schemas.openxmlformats.org/presentationml/2006/main" xmlns:r="http://schemas.openxmlformats.org/officeDocument/2006/relationships">
+<p:sld xmlns:a="http://schemas.openxmlformats.org/drawingml/2006/main" xmlns:r="http://schemas.openxmlformats.org/officeDocument/2006/relationships" xmlns:p="http://schemas.openxmlformats.org/presentationml/2006/main">
   <p:cSld>
     <p:spTree>
       <p:nvGrpSpPr>
@@ -4429,7 +4229,14 @@
         <p:cNvGrpSpPr/>
         <p:nvPr/>
       </p:nvGrpSpPr>
-      <p:grpSpPr/>
+      <p:grpSpPr>
+        <a:xfrm>
+          <a:off x="0" y="0"/>
+          <a:ext cx="0" cy="0"/>
+          <a:chOff x="0" y="0"/>
+          <a:chExt cx="0" cy="0"/>
+        </a:xfrm>
+      </p:grpSpPr>
       <p:sp>
         <p:nvSpPr>
           <p:cNvPr id="2" name="Title 1"/>
@@ -4442,10 +4249,13 @@
         </p:nvSpPr>
         <p:spPr/>
         <p:txBody>
-          <a:bodyPr/>
-          <a:lstStyle/>
-          <a:p>
-            <a:r>
+          <a:bodyPr>
+            <a:normAutofit fontScale="90000"/>
+          </a:bodyPr>
+          <a:lstStyle/>
+          <a:p>
+            <a:r>
+              <a:rPr dirty="0"/>
               <a:t>Habits of the Self-Governing Networker</a:t>
             </a:r>
           </a:p>
@@ -4467,27 +4277,32 @@
           <a:lstStyle/>
           <a:p>
             <a:r>
-              <a:t>- Reach out regularly, not just when you need something</a:t>
-            </a:r>
-          </a:p>
-          <a:p>
-            <a:r>
-              <a:t>- Keep notes on your connections</a:t>
-            </a:r>
-          </a:p>
-          <a:p>
-            <a:r>
-              <a:t>- Be generous with introductions and resources</a:t>
-            </a:r>
-          </a:p>
-          <a:p>
-            <a:r>
-              <a:t>- Always follow up with a thank-you</a:t>
-            </a:r>
-          </a:p>
-          <a:p>
-            <a:r>
-              <a:t>- Make it a habit, not a hustle</a:t>
+              <a:rPr dirty="0"/>
+              <a:t>Reach out regularly, not just when you need something</a:t>
+            </a:r>
+          </a:p>
+          <a:p>
+            <a:r>
+              <a:rPr dirty="0"/>
+              <a:t>Keep notes on your connections</a:t>
+            </a:r>
+          </a:p>
+          <a:p>
+            <a:r>
+              <a:rPr dirty="0"/>
+              <a:t>Be generous with introductions and resources</a:t>
+            </a:r>
+          </a:p>
+          <a:p>
+            <a:r>
+              <a:rPr dirty="0"/>
+              <a:t>Always follow up with a thank-you</a:t>
+            </a:r>
+          </a:p>
+          <a:p>
+            <a:r>
+              <a:rPr dirty="0"/>
+              <a:t>Make it a habit, not a hustle</a:t>
             </a:r>
           </a:p>
         </p:txBody>
@@ -4501,7 +4316,7 @@
 </file>
 
 <file path=ppt/slides/slide11.xml><?xml version="1.0" encoding="utf-8"?>
-<p:sld xmlns:a="http://schemas.openxmlformats.org/drawingml/2006/main" xmlns:p="http://schemas.openxmlformats.org/presentationml/2006/main" xmlns:r="http://schemas.openxmlformats.org/officeDocument/2006/relationships">
+<p:sld xmlns:a="http://schemas.openxmlformats.org/drawingml/2006/main" xmlns:r="http://schemas.openxmlformats.org/officeDocument/2006/relationships" xmlns:p="http://schemas.openxmlformats.org/presentationml/2006/main">
   <p:cSld>
     <p:spTree>
       <p:nvGrpSpPr>
@@ -4509,7 +4324,14 @@
         <p:cNvGrpSpPr/>
         <p:nvPr/>
       </p:nvGrpSpPr>
-      <p:grpSpPr/>
+      <p:grpSpPr>
+        <a:xfrm>
+          <a:off x="0" y="0"/>
+          <a:ext cx="0" cy="0"/>
+          <a:chOff x="0" y="0"/>
+          <a:chExt cx="0" cy="0"/>
+        </a:xfrm>
+      </p:grpSpPr>
       <p:sp>
         <p:nvSpPr>
           <p:cNvPr id="2" name="Title 1"/>
@@ -4526,6 +4348,7 @@
           <a:lstStyle/>
           <a:p>
             <a:r>
+              <a:rPr dirty="0"/>
               <a:t>Q&amp;A</a:t>
             </a:r>
           </a:p>
@@ -4547,7 +4370,16 @@
           <a:lstStyle/>
           <a:p>
             <a:r>
-              <a:t>Open floor for questions—practical, philosophical, or personal</a:t>
+              <a:rPr dirty="0"/>
+              <a:t>Open floor for questions</a:t>
+            </a:r>
+            <a:r>
+              <a:rPr lang="en-US" dirty="0"/>
+              <a:t>… </a:t>
+            </a:r>
+            <a:r>
+              <a:rPr dirty="0"/>
+              <a:t>practical, philosophical, or personal</a:t>
             </a:r>
           </a:p>
         </p:txBody>
@@ -4561,7 +4393,7 @@
 </file>
 
 <file path=ppt/slides/slide12.xml><?xml version="1.0" encoding="utf-8"?>
-<p:sld xmlns:a="http://schemas.openxmlformats.org/drawingml/2006/main" xmlns:p="http://schemas.openxmlformats.org/presentationml/2006/main" xmlns:r="http://schemas.openxmlformats.org/officeDocument/2006/relationships">
+<p:sld xmlns:a="http://schemas.openxmlformats.org/drawingml/2006/main" xmlns:r="http://schemas.openxmlformats.org/officeDocument/2006/relationships" xmlns:p="http://schemas.openxmlformats.org/presentationml/2006/main">
   <p:cSld>
     <p:spTree>
       <p:nvGrpSpPr>
@@ -4569,7 +4401,14 @@
         <p:cNvGrpSpPr/>
         <p:nvPr/>
       </p:nvGrpSpPr>
-      <p:grpSpPr/>
+      <p:grpSpPr>
+        <a:xfrm>
+          <a:off x="0" y="0"/>
+          <a:ext cx="0" cy="0"/>
+          <a:chOff x="0" y="0"/>
+          <a:chExt cx="0" cy="0"/>
+        </a:xfrm>
+      </p:grpSpPr>
       <p:sp>
         <p:nvSpPr>
           <p:cNvPr id="2" name="Title 1"/>
@@ -4586,6 +4425,7 @@
           <a:lstStyle/>
           <a:p>
             <a:r>
+              <a:rPr dirty="0"/>
               <a:t>Closing Thought</a:t>
             </a:r>
           </a:p>
@@ -4607,12 +4447,16 @@
           <a:lstStyle/>
           <a:p>
             <a:r>
+              <a:rPr dirty="0"/>
               <a:t>Networking is not a shortcut to success. It’s a commitment to growing alongside others.</a:t>
             </a:r>
           </a:p>
-          <a:p/>
-          <a:p>
-            <a:r>
+          <a:p>
+            <a:endParaRPr dirty="0"/>
+          </a:p>
+          <a:p>
+            <a:r>
+              <a:rPr dirty="0"/>
               <a:t>Through intentional relationships grounded in service, respect, and honesty, you rise to professional self-government.</a:t>
             </a:r>
           </a:p>
@@ -4627,7 +4471,7 @@
 </file>
 
 <file path=ppt/slides/slide13.xml><?xml version="1.0" encoding="utf-8"?>
-<p:sld xmlns:a="http://schemas.openxmlformats.org/drawingml/2006/main" xmlns:p="http://schemas.openxmlformats.org/presentationml/2006/main" xmlns:r="http://schemas.openxmlformats.org/officeDocument/2006/relationships">
+<p:sld xmlns:a="http://schemas.openxmlformats.org/drawingml/2006/main" xmlns:r="http://schemas.openxmlformats.org/officeDocument/2006/relationships" xmlns:p="http://schemas.openxmlformats.org/presentationml/2006/main">
   <p:cSld>
     <p:spTree>
       <p:nvGrpSpPr>
@@ -4635,7 +4479,14 @@
         <p:cNvGrpSpPr/>
         <p:nvPr/>
       </p:nvGrpSpPr>
-      <p:grpSpPr/>
+      <p:grpSpPr>
+        <a:xfrm>
+          <a:off x="0" y="0"/>
+          <a:ext cx="0" cy="0"/>
+          <a:chOff x="0" y="0"/>
+          <a:chExt cx="0" cy="0"/>
+        </a:xfrm>
+      </p:grpSpPr>
       <p:sp>
         <p:nvSpPr>
           <p:cNvPr id="2" name="Title 1"/>
@@ -4652,6 +4503,7 @@
           <a:lstStyle/>
           <a:p>
             <a:r>
+              <a:rPr dirty="0"/>
               <a:t>Thank You!</a:t>
             </a:r>
           </a:p>
@@ -4673,18 +4525,50 @@
           <a:lstStyle/>
           <a:p>
             <a:r>
+              <a:rPr dirty="0"/>
               <a:t>Thank you for joining!</a:t>
             </a:r>
           </a:p>
           <a:p>
             <a:r>
-              <a:t>Connect with me: [LinkedIn link] or [email]</a:t>
-            </a:r>
-          </a:p>
-          <a:p>
-            <a:r>
-              <a:t>Keep rising.</a:t>
-            </a:r>
+              <a:rPr lang="en-US" dirty="0"/>
+              <a:t>Connect with me: george@stringfestanalytics.com or linkedin.com/in/</a:t>
+            </a:r>
+            <a:r>
+              <a:rPr lang="en-US" dirty="0" err="1"/>
+              <a:t>gjmount</a:t>
+            </a:r>
+            <a:r>
+              <a:rPr lang="en-US" dirty="0"/>
+              <a:t>  </a:t>
+            </a:r>
+          </a:p>
+          <a:p>
+            <a:r>
+              <a:rPr lang="en-US" dirty="0"/>
+              <a:t>Keep rising. </a:t>
+            </a:r>
+            <a:r>
+              <a:rPr lang="en-US" i="1" dirty="0"/>
+              <a:t>Virtus </a:t>
+            </a:r>
+            <a:r>
+              <a:rPr lang="en-US" i="1" dirty="0" err="1"/>
+              <a:t>tentamine</a:t>
+            </a:r>
+            <a:r>
+              <a:rPr lang="en-US" i="1" dirty="0"/>
+              <a:t> </a:t>
+            </a:r>
+            <a:r>
+              <a:rPr lang="en-US" i="1" dirty="0" err="1"/>
+              <a:t>gaudet</a:t>
+            </a:r>
+            <a:r>
+              <a:rPr lang="en-US" i="1" dirty="0"/>
+              <a:t>! </a:t>
+            </a:r>
+            <a:endParaRPr lang="en-US" dirty="0"/>
           </a:p>
         </p:txBody>
       </p:sp>
@@ -4697,7 +4581,7 @@
 </file>
 
 <file path=ppt/slides/slide2.xml><?xml version="1.0" encoding="utf-8"?>
-<p:sld xmlns:a="http://schemas.openxmlformats.org/drawingml/2006/main" xmlns:p="http://schemas.openxmlformats.org/presentationml/2006/main" xmlns:r="http://schemas.openxmlformats.org/officeDocument/2006/relationships">
+<p:sld xmlns:a="http://schemas.openxmlformats.org/drawingml/2006/main" xmlns:r="http://schemas.openxmlformats.org/officeDocument/2006/relationships" xmlns:p="http://schemas.openxmlformats.org/presentationml/2006/main">
   <p:cSld>
     <p:spTree>
       <p:nvGrpSpPr>
@@ -4705,7 +4589,14 @@
         <p:cNvGrpSpPr/>
         <p:nvPr/>
       </p:nvGrpSpPr>
-      <p:grpSpPr/>
+      <p:grpSpPr>
+        <a:xfrm>
+          <a:off x="0" y="0"/>
+          <a:ext cx="0" cy="0"/>
+          <a:chOff x="0" y="0"/>
+          <a:chExt cx="0" cy="0"/>
+        </a:xfrm>
+      </p:grpSpPr>
       <p:sp>
         <p:nvSpPr>
           <p:cNvPr id="2" name="Title 1"/>
@@ -4722,6 +4613,7 @@
           <a:lstStyle/>
           <a:p>
             <a:r>
+              <a:rPr dirty="0"/>
               <a:t>Opening Thought</a:t>
             </a:r>
           </a:p>
@@ -4742,19 +4634,41 @@
           <a:bodyPr/>
           <a:lstStyle/>
           <a:p>
-            <a:r>
+            <a:pPr marL="0" indent="0">
+              <a:buNone/>
+            </a:pPr>
+            <a:r>
+              <a:rPr dirty="0"/>
               <a:t>"Through education the student rises to self-government."</a:t>
             </a:r>
           </a:p>
           <a:p>
-            <a:r>
+            <a:pPr marL="0" indent="0">
+              <a:buNone/>
+            </a:pPr>
+            <a:r>
+              <a:rPr dirty="0"/>
               <a:t>— Hillsdale College Honor Code</a:t>
             </a:r>
           </a:p>
-          <a:p/>
-          <a:p>
-            <a:r>
-              <a:t>Networking isn’t just about getting a job. It’s about taking responsibility for your own growth and opportunity—living out the Hillsdale ideal in the professional world.</a:t>
+          <a:p>
+            <a:endParaRPr dirty="0"/>
+          </a:p>
+          <a:p>
+            <a:pPr marL="0" indent="0">
+              <a:buNone/>
+            </a:pPr>
+            <a:r>
+              <a:rPr dirty="0"/>
+              <a:t>Networking isn’t just about getting a job. It’s about taking responsibility for your own growth and opportunity</a:t>
+            </a:r>
+            <a:r>
+              <a:rPr lang="en-US" dirty="0"/>
+              <a:t>…. </a:t>
+            </a:r>
+            <a:r>
+              <a:rPr dirty="0"/>
+              <a:t>living out the Hillsdale ideal in the professional world.</a:t>
             </a:r>
           </a:p>
         </p:txBody>
@@ -4768,7 +4682,7 @@
 </file>
 
 <file path=ppt/slides/slide3.xml><?xml version="1.0" encoding="utf-8"?>
-<p:sld xmlns:a="http://schemas.openxmlformats.org/drawingml/2006/main" xmlns:p="http://schemas.openxmlformats.org/presentationml/2006/main" xmlns:r="http://schemas.openxmlformats.org/officeDocument/2006/relationships">
+<p:sld xmlns:a="http://schemas.openxmlformats.org/drawingml/2006/main" xmlns:r="http://schemas.openxmlformats.org/officeDocument/2006/relationships" xmlns:p="http://schemas.openxmlformats.org/presentationml/2006/main">
   <p:cSld>
     <p:spTree>
       <p:nvGrpSpPr>
@@ -4776,7 +4690,14 @@
         <p:cNvGrpSpPr/>
         <p:nvPr/>
       </p:nvGrpSpPr>
-      <p:grpSpPr/>
+      <p:grpSpPr>
+        <a:xfrm>
+          <a:off x="0" y="0"/>
+          <a:ext cx="0" cy="0"/>
+          <a:chOff x="0" y="0"/>
+          <a:chExt cx="0" cy="0"/>
+        </a:xfrm>
+      </p:grpSpPr>
       <p:sp>
         <p:nvSpPr>
           <p:cNvPr id="2" name="Title 1"/>
@@ -4793,6 +4714,7 @@
           <a:lstStyle/>
           <a:p>
             <a:r>
+              <a:rPr dirty="0"/>
               <a:t>What Is Networking, Really?</a:t>
             </a:r>
           </a:p>
@@ -4814,22 +4736,42 @@
           <a:lstStyle/>
           <a:p>
             <a:r>
-              <a:t>- Not schmoozing or collecting business cards</a:t>
-            </a:r>
-          </a:p>
-          <a:p>
-            <a:r>
-              <a:t>- Not using people for your gain</a:t>
-            </a:r>
-          </a:p>
-          <a:p>
-            <a:r>
-              <a:t>- It *is* building real, mutually beneficial relationships</a:t>
-            </a:r>
-          </a:p>
-          <a:p>
-            <a:r>
-              <a:t>- It *is* owning your career path through relationships, curiosity, and service</a:t>
+              <a:rPr dirty="0"/>
+              <a:t>Not schmoozing or collecting business cards</a:t>
+            </a:r>
+          </a:p>
+          <a:p>
+            <a:r>
+              <a:rPr dirty="0"/>
+              <a:t>Not using people for your gain</a:t>
+            </a:r>
+          </a:p>
+          <a:p>
+            <a:r>
+              <a:rPr dirty="0"/>
+              <a:t>It </a:t>
+            </a:r>
+            <a:r>
+              <a:rPr i="1" dirty="0"/>
+              <a:t>is</a:t>
+            </a:r>
+            <a:r>
+              <a:rPr dirty="0"/>
+              <a:t> building real, mutually beneficial relationships</a:t>
+            </a:r>
+          </a:p>
+          <a:p>
+            <a:r>
+              <a:rPr dirty="0"/>
+              <a:t>It </a:t>
+            </a:r>
+            <a:r>
+              <a:rPr i="1" dirty="0"/>
+              <a:t>is</a:t>
+            </a:r>
+            <a:r>
+              <a:rPr dirty="0"/>
+              <a:t> owning your career path through relationships, curiosity, and service</a:t>
             </a:r>
           </a:p>
         </p:txBody>
@@ -4843,7 +4785,7 @@
 </file>
 
 <file path=ppt/slides/slide4.xml><?xml version="1.0" encoding="utf-8"?>
-<p:sld xmlns:a="http://schemas.openxmlformats.org/drawingml/2006/main" xmlns:p="http://schemas.openxmlformats.org/presentationml/2006/main" xmlns:r="http://schemas.openxmlformats.org/officeDocument/2006/relationships">
+<p:sld xmlns:a="http://schemas.openxmlformats.org/drawingml/2006/main" xmlns:r="http://schemas.openxmlformats.org/officeDocument/2006/relationships" xmlns:p="http://schemas.openxmlformats.org/presentationml/2006/main">
   <p:cSld>
     <p:spTree>
       <p:nvGrpSpPr>
@@ -4851,7 +4793,14 @@
         <p:cNvGrpSpPr/>
         <p:nvPr/>
       </p:nvGrpSpPr>
-      <p:grpSpPr/>
+      <p:grpSpPr>
+        <a:xfrm>
+          <a:off x="0" y="0"/>
+          <a:ext cx="0" cy="0"/>
+          <a:chOff x="0" y="0"/>
+          <a:chExt cx="0" cy="0"/>
+        </a:xfrm>
+      </p:grpSpPr>
       <p:sp>
         <p:nvSpPr>
           <p:cNvPr id="2" name="Title 1"/>
@@ -4864,10 +4813,13 @@
         </p:nvSpPr>
         <p:spPr/>
         <p:txBody>
-          <a:bodyPr/>
-          <a:lstStyle/>
-          <a:p>
-            <a:r>
+          <a:bodyPr>
+            <a:normAutofit fontScale="90000"/>
+          </a:bodyPr>
+          <a:lstStyle/>
+          <a:p>
+            <a:r>
+              <a:rPr dirty="0"/>
               <a:t>How Networking Reflects the Honor Code</a:t>
             </a:r>
           </a:p>
@@ -4889,22 +4841,34 @@
           <a:lstStyle/>
           <a:p>
             <a:r>
-              <a:t>**"Honorable in conduct"** → Keep your word, follow through, be respectful</a:t>
-            </a:r>
-          </a:p>
-          <a:p>
-            <a:r>
-              <a:t>**"Honest in word and deed"** → Authenticity builds trust</a:t>
-            </a:r>
-          </a:p>
-          <a:p>
-            <a:r>
-              <a:t>**"Dutiful in study and service"** → Do your homework, seek to contribute</a:t>
-            </a:r>
-          </a:p>
-          <a:p>
-            <a:r>
-              <a:t>**"Respectful of the rights of others"** → Don’t just take—listen, support, reciprocate</a:t>
+              <a:rPr dirty="0"/>
+              <a:t>"Honorable in conduct" → Keep your word, follow through, be respectful</a:t>
+            </a:r>
+          </a:p>
+          <a:p>
+            <a:r>
+              <a:rPr dirty="0"/>
+              <a:t>"Honest in word and deed" → Authenticity builds trust</a:t>
+            </a:r>
+          </a:p>
+          <a:p>
+            <a:r>
+              <a:rPr dirty="0"/>
+              <a:t>"Dutiful in study and service" → Do your homework, seek to contribute</a:t>
+            </a:r>
+          </a:p>
+          <a:p>
+            <a:r>
+              <a:rPr dirty="0"/>
+              <a:t>"Respectful of the rights of others" → Don’t just take</a:t>
+            </a:r>
+            <a:r>
+              <a:rPr lang="en-US" dirty="0"/>
+              <a:t>… </a:t>
+            </a:r>
+            <a:r>
+              <a:rPr dirty="0"/>
+              <a:t>listen, support, reciprocate</a:t>
             </a:r>
           </a:p>
         </p:txBody>
@@ -4918,7 +4882,7 @@
 </file>
 
 <file path=ppt/slides/slide5.xml><?xml version="1.0" encoding="utf-8"?>
-<p:sld xmlns:a="http://schemas.openxmlformats.org/drawingml/2006/main" xmlns:p="http://schemas.openxmlformats.org/presentationml/2006/main" xmlns:r="http://schemas.openxmlformats.org/officeDocument/2006/relationships">
+<p:sld xmlns:a="http://schemas.openxmlformats.org/drawingml/2006/main" xmlns:r="http://schemas.openxmlformats.org/officeDocument/2006/relationships" xmlns:p="http://schemas.openxmlformats.org/presentationml/2006/main">
   <p:cSld>
     <p:spTree>
       <p:nvGrpSpPr>
@@ -4926,7 +4890,14 @@
         <p:cNvGrpSpPr/>
         <p:nvPr/>
       </p:nvGrpSpPr>
-      <p:grpSpPr/>
+      <p:grpSpPr>
+        <a:xfrm>
+          <a:off x="0" y="0"/>
+          <a:ext cx="0" cy="0"/>
+          <a:chOff x="0" y="0"/>
+          <a:chExt cx="0" cy="0"/>
+        </a:xfrm>
+      </p:grpSpPr>
       <p:sp>
         <p:nvSpPr>
           <p:cNvPr id="2" name="Title 1"/>
@@ -4943,6 +4914,7 @@
           <a:lstStyle/>
           <a:p>
             <a:r>
+              <a:rPr dirty="0"/>
               <a:t>Common Myths to Unlearn</a:t>
             </a:r>
           </a:p>
@@ -4964,27 +4936,37 @@
           <a:lstStyle/>
           <a:p>
             <a:r>
-              <a:t>- "I’m not extroverted, so I can’t network"</a:t>
-            </a:r>
-          </a:p>
-          <a:p>
-            <a:r>
-              <a:t>- "Networking is manipulative"</a:t>
-            </a:r>
-          </a:p>
-          <a:p>
-            <a:r>
-              <a:t>- "It’s only for job searching"</a:t>
-            </a:r>
-          </a:p>
-          <a:p>
-            <a:r>
-              <a:t>- "It’s awkward or fake"</a:t>
-            </a:r>
-          </a:p>
-          <a:p/>
-          <a:p>
-            <a:r>
+              <a:rPr dirty="0"/>
+              <a:t>"I’m not extroverted, so I can’t network"</a:t>
+            </a:r>
+          </a:p>
+          <a:p>
+            <a:r>
+              <a:rPr dirty="0"/>
+              <a:t>"Networking is manipulative"</a:t>
+            </a:r>
+          </a:p>
+          <a:p>
+            <a:r>
+              <a:rPr dirty="0"/>
+              <a:t>"It’s only for job searching"</a:t>
+            </a:r>
+          </a:p>
+          <a:p>
+            <a:r>
+              <a:rPr dirty="0"/>
+              <a:t>"It’s awkward or fake"</a:t>
+            </a:r>
+          </a:p>
+          <a:p>
+            <a:endParaRPr dirty="0"/>
+          </a:p>
+          <a:p>
+            <a:pPr marL="0" indent="0">
+              <a:buNone/>
+            </a:pPr>
+            <a:r>
+              <a:rPr dirty="0"/>
               <a:t>Networking is a muscle. It gets stronger with honest, consistent use.</a:t>
             </a:r>
           </a:p>
@@ -4999,7 +4981,7 @@
 </file>
 
 <file path=ppt/slides/slide6.xml><?xml version="1.0" encoding="utf-8"?>
-<p:sld xmlns:a="http://schemas.openxmlformats.org/drawingml/2006/main" xmlns:p="http://schemas.openxmlformats.org/presentationml/2006/main" xmlns:r="http://schemas.openxmlformats.org/officeDocument/2006/relationships">
+<p:sld xmlns:a="http://schemas.openxmlformats.org/drawingml/2006/main" xmlns:r="http://schemas.openxmlformats.org/officeDocument/2006/relationships" xmlns:p="http://schemas.openxmlformats.org/presentationml/2006/main">
   <p:cSld>
     <p:spTree>
       <p:nvGrpSpPr>
@@ -5007,7 +4989,14 @@
         <p:cNvGrpSpPr/>
         <p:nvPr/>
       </p:nvGrpSpPr>
-      <p:grpSpPr/>
+      <p:grpSpPr>
+        <a:xfrm>
+          <a:off x="0" y="0"/>
+          <a:ext cx="0" cy="0"/>
+          <a:chOff x="0" y="0"/>
+          <a:chExt cx="0" cy="0"/>
+        </a:xfrm>
+      </p:grpSpPr>
       <p:sp>
         <p:nvSpPr>
           <p:cNvPr id="2" name="Title 1"/>
@@ -5020,10 +5009,13 @@
         </p:nvSpPr>
         <p:spPr/>
         <p:txBody>
-          <a:bodyPr/>
-          <a:lstStyle/>
-          <a:p>
-            <a:r>
+          <a:bodyPr>
+            <a:normAutofit fontScale="90000"/>
+          </a:bodyPr>
+          <a:lstStyle/>
+          <a:p>
+            <a:r>
+              <a:rPr dirty="0"/>
               <a:t>Principles of Hillsdale-Style Networking</a:t>
             </a:r>
           </a:p>
@@ -5039,33 +5031,63 @@
             <p:ph idx="1"/>
           </p:nvPr>
         </p:nvSpPr>
-        <p:spPr/>
-        <p:txBody>
-          <a:bodyPr/>
-          <a:lstStyle/>
-          <a:p>
-            <a:r>
-              <a:t>1. Start with Service: Ask how you can help</a:t>
-            </a:r>
-          </a:p>
-          <a:p>
-            <a:r>
-              <a:t>2. Be Curious: Ask great questions, listen well</a:t>
-            </a:r>
-          </a:p>
-          <a:p>
-            <a:r>
-              <a:t>3. Be Reliable: Show up, follow up, say thank you</a:t>
-            </a:r>
-          </a:p>
-          <a:p>
-            <a:r>
-              <a:t>4. Be Humble: You don’t need to have it all figured out</a:t>
-            </a:r>
-          </a:p>
-          <a:p>
-            <a:r>
-              <a:t>5. Be Intentional: Have a goal or purpose</a:t>
+        <p:spPr>
+          <a:xfrm>
+            <a:off x="457200" y="1608151"/>
+            <a:ext cx="8229600" cy="4525963"/>
+          </a:xfrm>
+        </p:spPr>
+        <p:txBody>
+          <a:bodyPr/>
+          <a:lstStyle/>
+          <a:p>
+            <a:pPr marL="514350" indent="-514350">
+              <a:buFont typeface="+mj-lt"/>
+              <a:buAutoNum type="arabicPeriod"/>
+            </a:pPr>
+            <a:r>
+              <a:rPr dirty="0"/>
+              <a:t>Start with Service: Ask how you can help</a:t>
+            </a:r>
+          </a:p>
+          <a:p>
+            <a:pPr marL="514350" indent="-514350">
+              <a:buFont typeface="+mj-lt"/>
+              <a:buAutoNum type="arabicPeriod"/>
+            </a:pPr>
+            <a:r>
+              <a:rPr dirty="0"/>
+              <a:t>Be Curious: Ask great questions, listen well</a:t>
+            </a:r>
+          </a:p>
+          <a:p>
+            <a:pPr marL="514350" indent="-514350">
+              <a:buFont typeface="+mj-lt"/>
+              <a:buAutoNum type="arabicPeriod"/>
+            </a:pPr>
+            <a:r>
+              <a:rPr dirty="0"/>
+              <a:t>Be Reliable: Show up, follow up, say thank you</a:t>
+            </a:r>
+          </a:p>
+          <a:p>
+            <a:pPr marL="514350" indent="-514350">
+              <a:buFont typeface="+mj-lt"/>
+              <a:buAutoNum type="arabicPeriod"/>
+            </a:pPr>
+            <a:r>
+              <a:rPr dirty="0"/>
+              <a:t>Be Humble: You don’t need to have it all figured out</a:t>
+            </a:r>
+          </a:p>
+          <a:p>
+            <a:pPr marL="514350" indent="-514350">
+              <a:buFont typeface="+mj-lt"/>
+              <a:buAutoNum type="arabicPeriod"/>
+            </a:pPr>
+            <a:r>
+              <a:rPr dirty="0"/>
+              <a:t>Be Intentional: Have a goal or purpose</a:t>
             </a:r>
           </a:p>
         </p:txBody>
@@ -5079,7 +5101,7 @@
 </file>
 
 <file path=ppt/slides/slide7.xml><?xml version="1.0" encoding="utf-8"?>
-<p:sld xmlns:a="http://schemas.openxmlformats.org/drawingml/2006/main" xmlns:p="http://schemas.openxmlformats.org/presentationml/2006/main" xmlns:r="http://schemas.openxmlformats.org/officeDocument/2006/relationships">
+<p:sld xmlns:a="http://schemas.openxmlformats.org/drawingml/2006/main" xmlns:r="http://schemas.openxmlformats.org/officeDocument/2006/relationships" xmlns:p="http://schemas.openxmlformats.org/presentationml/2006/main">
   <p:cSld>
     <p:spTree>
       <p:nvGrpSpPr>
@@ -5087,7 +5109,14 @@
         <p:cNvGrpSpPr/>
         <p:nvPr/>
       </p:nvGrpSpPr>
-      <p:grpSpPr/>
+      <p:grpSpPr>
+        <a:xfrm>
+          <a:off x="0" y="0"/>
+          <a:ext cx="0" cy="0"/>
+          <a:chOff x="0" y="0"/>
+          <a:chExt cx="0" cy="0"/>
+        </a:xfrm>
+      </p:grpSpPr>
       <p:sp>
         <p:nvSpPr>
           <p:cNvPr id="2" name="Title 1"/>
@@ -5104,6 +5133,7 @@
           <a:lstStyle/>
           <a:p>
             <a:r>
+              <a:rPr dirty="0"/>
               <a:t>My Story</a:t>
             </a:r>
           </a:p>
@@ -5121,11 +5151,32 @@
         </p:nvSpPr>
         <p:spPr/>
         <p:txBody>
-          <a:bodyPr/>
-          <a:lstStyle/>
-          <a:p>
-            <a:r>
-              <a:t>[Insert 1-2 brief personal stories that reflect the above values in action. E.g., how a small follow-up turned into a big opportunity, or how listening and giving value created a lasting professional relationship.]</a:t>
+          <a:bodyPr>
+            <a:normAutofit lnSpcReduction="10000"/>
+          </a:bodyPr>
+          <a:lstStyle/>
+          <a:p>
+            <a:r>
+              <a:rPr lang="en-US" dirty="0"/>
+              <a:t>Wasn't great at Excel, and it was holding me back professionally.</a:t>
+            </a:r>
+          </a:p>
+          <a:p>
+            <a:r>
+              <a:rPr lang="en-US" dirty="0"/>
+              <a:t>Started posting and sharing what I learned with no assumptions about what would come next.</a:t>
+            </a:r>
+          </a:p>
+          <a:p>
+            <a:r>
+              <a:rPr lang="en-US" dirty="0"/>
+              <a:t>Met a group of Excel enthusiasts all over the world.</a:t>
+            </a:r>
+          </a:p>
+          <a:p>
+            <a:r>
+              <a:rPr lang="en-US" dirty="0"/>
+              <a:t>Now I get to travel the world teaching Excel and working for myself!</a:t>
             </a:r>
           </a:p>
         </p:txBody>
@@ -5139,7 +5190,7 @@
 </file>
 
 <file path=ppt/slides/slide8.xml><?xml version="1.0" encoding="utf-8"?>
-<p:sld xmlns:a="http://schemas.openxmlformats.org/drawingml/2006/main" xmlns:p="http://schemas.openxmlformats.org/presentationml/2006/main" xmlns:r="http://schemas.openxmlformats.org/officeDocument/2006/relationships">
+<p:sld xmlns:a="http://schemas.openxmlformats.org/drawingml/2006/main" xmlns:r="http://schemas.openxmlformats.org/officeDocument/2006/relationships" xmlns:p="http://schemas.openxmlformats.org/presentationml/2006/main">
   <p:cSld>
     <p:spTree>
       <p:nvGrpSpPr>
@@ -5147,7 +5198,14 @@
         <p:cNvGrpSpPr/>
         <p:nvPr/>
       </p:nvGrpSpPr>
-      <p:grpSpPr/>
+      <p:grpSpPr>
+        <a:xfrm>
+          <a:off x="0" y="0"/>
+          <a:ext cx="0" cy="0"/>
+          <a:chOff x="0" y="0"/>
+          <a:chExt cx="0" cy="0"/>
+        </a:xfrm>
+      </p:grpSpPr>
       <p:sp>
         <p:nvSpPr>
           <p:cNvPr id="2" name="Title 1"/>
@@ -5160,10 +5218,13 @@
         </p:nvSpPr>
         <p:spPr/>
         <p:txBody>
-          <a:bodyPr/>
-          <a:lstStyle/>
-          <a:p>
-            <a:r>
+          <a:bodyPr>
+            <a:normAutofit fontScale="90000"/>
+          </a:bodyPr>
+          <a:lstStyle/>
+          <a:p>
+            <a:r>
+              <a:rPr dirty="0"/>
               <a:t>Interactive Activity – Governing Your Network</a:t>
             </a:r>
           </a:p>
@@ -5181,36 +5242,43 @@
         </p:nvSpPr>
         <p:spPr/>
         <p:txBody>
-          <a:bodyPr/>
-          <a:lstStyle/>
-          <a:p>
-            <a:r>
+          <a:bodyPr>
+            <a:normAutofit lnSpcReduction="10000"/>
+          </a:bodyPr>
+          <a:lstStyle/>
+          <a:p>
+            <a:r>
+              <a:rPr dirty="0"/>
               <a:t>Take 5 minutes:</a:t>
             </a:r>
           </a:p>
           <a:p>
-            <a:r>
-              <a:t>- List 5 people you already know in a professional context</a:t>
-            </a:r>
-          </a:p>
-          <a:p>
-            <a:r>
-              <a:t>- What have you done to nurture those connections?</a:t>
-            </a:r>
-          </a:p>
-          <a:p>
-            <a:r>
-              <a:t>- Where have you missed opportunities to stay in touch or offer help?</a:t>
-            </a:r>
-          </a:p>
-          <a:p>
-            <a:r>
-              <a:t>- What’s one step you can take this week to reconnect?</a:t>
-            </a:r>
-          </a:p>
-          <a:p/>
-          <a:p>
-            <a:r>
+            <a:pPr lvl="1"/>
+            <a:r>
+              <a:rPr dirty="0"/>
+              <a:t>List 5 people you already know in a professional context</a:t>
+            </a:r>
+          </a:p>
+          <a:p>
+            <a:pPr lvl="1"/>
+            <a:r>
+              <a:rPr dirty="0"/>
+              <a:t>What have you done to nurture those connections?</a:t>
+            </a:r>
+          </a:p>
+          <a:p>
+            <a:pPr lvl="1"/>
+            <a:r>
+              <a:rPr dirty="0"/>
+              <a:t>What’s one step you can take this week to reconnect?</a:t>
+            </a:r>
+          </a:p>
+          <a:p>
+            <a:endParaRPr dirty="0"/>
+          </a:p>
+          <a:p>
+            <a:r>
+              <a:rPr dirty="0"/>
               <a:t>Optional: Share reflections in small groups</a:t>
             </a:r>
           </a:p>
@@ -5225,7 +5293,7 @@
 </file>
 
 <file path=ppt/slides/slide9.xml><?xml version="1.0" encoding="utf-8"?>
-<p:sld xmlns:a="http://schemas.openxmlformats.org/drawingml/2006/main" xmlns:p="http://schemas.openxmlformats.org/presentationml/2006/main" xmlns:r="http://schemas.openxmlformats.org/officeDocument/2006/relationships">
+<p:sld xmlns:a="http://schemas.openxmlformats.org/drawingml/2006/main" xmlns:r="http://schemas.openxmlformats.org/officeDocument/2006/relationships" xmlns:p="http://schemas.openxmlformats.org/presentationml/2006/main">
   <p:cSld>
     <p:spTree>
       <p:nvGrpSpPr>
@@ -5233,7 +5301,14 @@
         <p:cNvGrpSpPr/>
         <p:nvPr/>
       </p:nvGrpSpPr>
-      <p:grpSpPr/>
+      <p:grpSpPr>
+        <a:xfrm>
+          <a:off x="0" y="0"/>
+          <a:ext cx="0" cy="0"/>
+          <a:chOff x="0" y="0"/>
+          <a:chExt cx="0" cy="0"/>
+        </a:xfrm>
+      </p:grpSpPr>
       <p:sp>
         <p:nvSpPr>
           <p:cNvPr id="2" name="Title 1"/>
@@ -5246,10 +5321,13 @@
         </p:nvSpPr>
         <p:spPr/>
         <p:txBody>
-          <a:bodyPr/>
-          <a:lstStyle/>
-          <a:p>
-            <a:r>
+          <a:bodyPr>
+            <a:normAutofit fontScale="90000"/>
+          </a:bodyPr>
+          <a:lstStyle/>
+          <a:p>
+            <a:r>
+              <a:rPr dirty="0"/>
               <a:t>Tools to Help You Govern Your Network</a:t>
             </a:r>
           </a:p>
@@ -5271,22 +5349,26 @@
           <a:lstStyle/>
           <a:p>
             <a:r>
-              <a:t>- LinkedIn: Profile, connection requests, posts</a:t>
-            </a:r>
-          </a:p>
-          <a:p>
-            <a:r>
-              <a:t>- Email: Keep in touch, follow up</a:t>
-            </a:r>
-          </a:p>
-          <a:p>
-            <a:r>
-              <a:t>- Hillsdale Alumni Directory: Use it!</a:t>
-            </a:r>
-          </a:p>
-          <a:p>
-            <a:r>
-              <a:t>- Calendars/CRMs: Schedule regular check-ins</a:t>
+              <a:rPr dirty="0"/>
+              <a:t>LinkedIn: Profile, connection requests, posts</a:t>
+            </a:r>
+          </a:p>
+          <a:p>
+            <a:r>
+              <a:rPr dirty="0"/>
+              <a:t>Email: Keep in touch, follow up</a:t>
+            </a:r>
+          </a:p>
+          <a:p>
+            <a:r>
+              <a:rPr dirty="0"/>
+              <a:t>Hillsdale Alumni Directory: Use it!</a:t>
+            </a:r>
+          </a:p>
+          <a:p>
+            <a:r>
+              <a:rPr dirty="0"/>
+              <a:t>Calendars/CRMs: Schedule regular check-ins</a:t>
             </a:r>
           </a:p>
         </p:txBody>
@@ -5630,44 +5712,44 @@
         <a:sysClr val="window" lastClr="FFFFFF"/>
       </a:lt1>
       <a:dk2>
-        <a:srgbClr val="1F497D"/>
+        <a:srgbClr val="0E2841"/>
       </a:dk2>
       <a:lt2>
-        <a:srgbClr val="EEECE1"/>
+        <a:srgbClr val="E8E8E8"/>
       </a:lt2>
       <a:accent1>
-        <a:srgbClr val="4F81BD"/>
+        <a:srgbClr val="156082"/>
       </a:accent1>
       <a:accent2>
-        <a:srgbClr val="C0504D"/>
+        <a:srgbClr val="E97132"/>
       </a:accent2>
       <a:accent3>
-        <a:srgbClr val="9BBB59"/>
+        <a:srgbClr val="196B24"/>
       </a:accent3>
       <a:accent4>
-        <a:srgbClr val="8064A2"/>
+        <a:srgbClr val="0F9ED5"/>
       </a:accent4>
       <a:accent5>
-        <a:srgbClr val="4BACC6"/>
+        <a:srgbClr val="A02B93"/>
       </a:accent5>
       <a:accent6>
-        <a:srgbClr val="F79646"/>
+        <a:srgbClr val="4EA72E"/>
       </a:accent6>
       <a:hlink>
-        <a:srgbClr val="0000FF"/>
+        <a:srgbClr val="467886"/>
       </a:hlink>
       <a:folHlink>
-        <a:srgbClr val="800080"/>
+        <a:srgbClr val="96607D"/>
       </a:folHlink>
     </a:clrScheme>
     <a:fontScheme name="Office">
       <a:majorFont>
-        <a:latin typeface="Calibri"/>
+        <a:latin typeface="Aptos Display" panose="02110004020202020204"/>
         <a:ea typeface=""/>
         <a:cs typeface=""/>
-        <a:font script="Jpan" typeface="ＭＳ Ｐゴシック"/>
+        <a:font script="Jpan" typeface="游ゴシック Light"/>
         <a:font script="Hang" typeface="맑은 고딕"/>
-        <a:font script="Hans" typeface="宋体"/>
+        <a:font script="Hans" typeface="等线 Light"/>
         <a:font script="Hant" typeface="新細明體"/>
         <a:font script="Arab" typeface="Times New Roman"/>
         <a:font script="Hebr" typeface="Times New Roman"/>
@@ -5695,14 +5777,31 @@
         <a:font script="Viet" typeface="Times New Roman"/>
         <a:font script="Uigh" typeface="Microsoft Uighur"/>
         <a:font script="Geor" typeface="Sylfaen"/>
+        <a:font script="Armn" typeface="Arial"/>
+        <a:font script="Bugi" typeface="Leelawadee UI"/>
+        <a:font script="Bopo" typeface="Microsoft JhengHei"/>
+        <a:font script="Java" typeface="Javanese Text"/>
+        <a:font script="Lisu" typeface="Segoe UI"/>
+        <a:font script="Mymr" typeface="Myanmar Text"/>
+        <a:font script="Nkoo" typeface="Ebrima"/>
+        <a:font script="Olck" typeface="Nirmala UI"/>
+        <a:font script="Osma" typeface="Ebrima"/>
+        <a:font script="Phag" typeface="Phagspa"/>
+        <a:font script="Syrn" typeface="Estrangelo Edessa"/>
+        <a:font script="Syrj" typeface="Estrangelo Edessa"/>
+        <a:font script="Syre" typeface="Estrangelo Edessa"/>
+        <a:font script="Sora" typeface="Nirmala UI"/>
+        <a:font script="Tale" typeface="Microsoft Tai Le"/>
+        <a:font script="Talu" typeface="Microsoft New Tai Lue"/>
+        <a:font script="Tfng" typeface="Ebrima"/>
       </a:majorFont>
       <a:minorFont>
-        <a:latin typeface="Calibri"/>
+        <a:latin typeface="Aptos" panose="02110004020202020204"/>
         <a:ea typeface=""/>
         <a:cs typeface=""/>
-        <a:font script="Jpan" typeface="ＭＳ Ｐゴシック"/>
+        <a:font script="Jpan" typeface="游ゴシック"/>
         <a:font script="Hang" typeface="맑은 고딕"/>
-        <a:font script="Hans" typeface="宋体"/>
+        <a:font script="Hans" typeface="等线"/>
         <a:font script="Hant" typeface="新細明體"/>
         <a:font script="Arab" typeface="Arial"/>
         <a:font script="Hebr" typeface="Arial"/>
@@ -5730,6 +5829,23 @@
         <a:font script="Viet" typeface="Arial"/>
         <a:font script="Uigh" typeface="Microsoft Uighur"/>
         <a:font script="Geor" typeface="Sylfaen"/>
+        <a:font script="Armn" typeface="Arial"/>
+        <a:font script="Bugi" typeface="Leelawadee UI"/>
+        <a:font script="Bopo" typeface="Microsoft JhengHei"/>
+        <a:font script="Java" typeface="Javanese Text"/>
+        <a:font script="Lisu" typeface="Segoe UI"/>
+        <a:font script="Mymr" typeface="Myanmar Text"/>
+        <a:font script="Nkoo" typeface="Ebrima"/>
+        <a:font script="Olck" typeface="Nirmala UI"/>
+        <a:font script="Osma" typeface="Ebrima"/>
+        <a:font script="Phag" typeface="Phagspa"/>
+        <a:font script="Syrn" typeface="Estrangelo Edessa"/>
+        <a:font script="Syrj" typeface="Estrangelo Edessa"/>
+        <a:font script="Syre" typeface="Estrangelo Edessa"/>
+        <a:font script="Sora" typeface="Nirmala UI"/>
+        <a:font script="Tale" typeface="Microsoft Tai Le"/>
+        <a:font script="Talu" typeface="Microsoft New Tai Lue"/>
+        <a:font script="Tfng" typeface="Ebrima"/>
       </a:minorFont>
     </a:fontScheme>
     <a:fmtScheme name="Office">
@@ -5741,180 +5857,136 @@
           <a:gsLst>
             <a:gs pos="0">
               <a:schemeClr val="phClr">
-                <a:tint val="50000"/>
-                <a:satMod val="300000"/>
+                <a:lumMod val="110000"/>
+                <a:satMod val="105000"/>
+                <a:tint val="67000"/>
               </a:schemeClr>
             </a:gs>
-            <a:gs pos="35000">
+            <a:gs pos="50000">
               <a:schemeClr val="phClr">
-                <a:tint val="37000"/>
-                <a:satMod val="300000"/>
+                <a:lumMod val="105000"/>
+                <a:satMod val="103000"/>
+                <a:tint val="73000"/>
               </a:schemeClr>
             </a:gs>
             <a:gs pos="100000">
               <a:schemeClr val="phClr">
-                <a:tint val="15000"/>
-                <a:satMod val="350000"/>
+                <a:lumMod val="105000"/>
+                <a:satMod val="109000"/>
+                <a:tint val="81000"/>
               </a:schemeClr>
             </a:gs>
           </a:gsLst>
-          <a:lin ang="16200000" scaled="1"/>
+          <a:lin ang="5400000" scaled="0"/>
         </a:gradFill>
         <a:gradFill rotWithShape="1">
           <a:gsLst>
             <a:gs pos="0">
               <a:schemeClr val="phClr">
-                <a:tint val="100000"/>
+                <a:satMod val="103000"/>
+                <a:lumMod val="102000"/>
+                <a:tint val="94000"/>
+              </a:schemeClr>
+            </a:gs>
+            <a:gs pos="50000">
+              <a:schemeClr val="phClr">
+                <a:satMod val="110000"/>
+                <a:lumMod val="100000"/>
                 <a:shade val="100000"/>
-                <a:satMod val="130000"/>
               </a:schemeClr>
             </a:gs>
             <a:gs pos="100000">
               <a:schemeClr val="phClr">
-                <a:tint val="50000"/>
-                <a:shade val="100000"/>
-                <a:satMod val="350000"/>
+                <a:lumMod val="99000"/>
+                <a:satMod val="120000"/>
+                <a:shade val="78000"/>
               </a:schemeClr>
             </a:gs>
           </a:gsLst>
-          <a:lin ang="16200000" scaled="0"/>
+          <a:lin ang="5400000" scaled="0"/>
         </a:gradFill>
       </a:fillStyleLst>
       <a:lnStyleLst>
-        <a:ln w="9525" cap="flat" cmpd="sng" algn="ctr">
+        <a:ln w="12700" cap="flat" cmpd="sng" algn="ctr">
           <a:solidFill>
-            <a:schemeClr val="phClr">
-              <a:shade val="95000"/>
-              <a:satMod val="105000"/>
-            </a:schemeClr>
+            <a:schemeClr val="phClr"/>
           </a:solidFill>
           <a:prstDash val="solid"/>
+          <a:miter lim="800000"/>
+        </a:ln>
+        <a:ln w="19050" cap="flat" cmpd="sng" algn="ctr">
+          <a:solidFill>
+            <a:schemeClr val="phClr"/>
+          </a:solidFill>
+          <a:prstDash val="solid"/>
+          <a:miter lim="800000"/>
         </a:ln>
         <a:ln w="25400" cap="flat" cmpd="sng" algn="ctr">
           <a:solidFill>
             <a:schemeClr val="phClr"/>
           </a:solidFill>
           <a:prstDash val="solid"/>
-        </a:ln>
-        <a:ln w="38100" cap="flat" cmpd="sng" algn="ctr">
-          <a:solidFill>
-            <a:schemeClr val="phClr"/>
-          </a:solidFill>
-          <a:prstDash val="solid"/>
+          <a:miter lim="800000"/>
         </a:ln>
       </a:lnStyleLst>
       <a:effectStyleLst>
         <a:effectStyle>
+          <a:effectLst/>
+        </a:effectStyle>
+        <a:effectStyle>
+          <a:effectLst/>
+        </a:effectStyle>
+        <a:effectStyle>
           <a:effectLst>
-            <a:outerShdw blurRad="40000" dist="20000" dir="5400000" rotWithShape="0">
+            <a:outerShdw blurRad="57150" dist="19050" dir="5400000" algn="ctr" rotWithShape="0">
               <a:srgbClr val="000000">
-                <a:alpha val="38000"/>
+                <a:alpha val="63000"/>
               </a:srgbClr>
             </a:outerShdw>
           </a:effectLst>
-        </a:effectStyle>
-        <a:effectStyle>
-          <a:effectLst>
-            <a:outerShdw blurRad="40000" dist="23000" dir="5400000" rotWithShape="0">
-              <a:srgbClr val="000000">
-                <a:alpha val="35000"/>
-              </a:srgbClr>
-            </a:outerShdw>
-          </a:effectLst>
-        </a:effectStyle>
-        <a:effectStyle>
-          <a:effectLst>
-            <a:outerShdw blurRad="40000" dist="23000" dir="5400000" rotWithShape="0">
-              <a:srgbClr val="000000">
-                <a:alpha val="35000"/>
-              </a:srgbClr>
-            </a:outerShdw>
-          </a:effectLst>
-          <a:scene3d>
-            <a:camera prst="orthographicFront">
-              <a:rot lat="0" lon="0" rev="0"/>
-            </a:camera>
-            <a:lightRig rig="threePt" dir="t">
-              <a:rot lat="0" lon="0" rev="1200000"/>
-            </a:lightRig>
-          </a:scene3d>
-          <a:sp3d>
-            <a:bevelT w="63500" h="25400"/>
-          </a:sp3d>
         </a:effectStyle>
       </a:effectStyleLst>
       <a:bgFillStyleLst>
         <a:solidFill>
           <a:schemeClr val="phClr"/>
         </a:solidFill>
+        <a:solidFill>
+          <a:schemeClr val="phClr">
+            <a:tint val="95000"/>
+            <a:satMod val="170000"/>
+          </a:schemeClr>
+        </a:solidFill>
         <a:gradFill rotWithShape="1">
           <a:gsLst>
             <a:gs pos="0">
               <a:schemeClr val="phClr">
-                <a:tint val="40000"/>
-                <a:satMod val="350000"/>
+                <a:tint val="93000"/>
+                <a:satMod val="150000"/>
+                <a:shade val="98000"/>
+                <a:lumMod val="102000"/>
               </a:schemeClr>
             </a:gs>
-            <a:gs pos="40000">
+            <a:gs pos="50000">
               <a:schemeClr val="phClr">
-                <a:tint val="45000"/>
-                <a:shade val="99000"/>
-                <a:satMod val="350000"/>
+                <a:tint val="98000"/>
+                <a:satMod val="130000"/>
+                <a:shade val="90000"/>
+                <a:lumMod val="103000"/>
               </a:schemeClr>
             </a:gs>
             <a:gs pos="100000">
               <a:schemeClr val="phClr">
-                <a:shade val="20000"/>
-                <a:satMod val="255000"/>
+                <a:shade val="63000"/>
+                <a:satMod val="120000"/>
               </a:schemeClr>
             </a:gs>
           </a:gsLst>
-          <a:path path="circle">
-            <a:fillToRect l="50000" t="-80000" r="50000" b="180000"/>
-          </a:path>
-        </a:gradFill>
-        <a:gradFill rotWithShape="1">
-          <a:gsLst>
-            <a:gs pos="0">
-              <a:schemeClr val="phClr">
-                <a:tint val="80000"/>
-                <a:satMod val="300000"/>
-              </a:schemeClr>
-            </a:gs>
-            <a:gs pos="100000">
-              <a:schemeClr val="phClr">
-                <a:shade val="30000"/>
-                <a:satMod val="200000"/>
-              </a:schemeClr>
-            </a:gs>
-          </a:gsLst>
-          <a:path path="circle">
-            <a:fillToRect l="50000" t="50000" r="50000" b="50000"/>
-          </a:path>
+          <a:lin ang="5400000" scaled="0"/>
         </a:gradFill>
       </a:bgFillStyleLst>
     </a:fmtScheme>
   </a:themeElements>
   <a:objectDefaults>
-    <a:spDef>
-      <a:spPr/>
-      <a:bodyPr/>
-      <a:lstStyle/>
-      <a:style>
-        <a:lnRef idx="1">
-          <a:schemeClr val="accent1"/>
-        </a:lnRef>
-        <a:fillRef idx="3">
-          <a:schemeClr val="accent1"/>
-        </a:fillRef>
-        <a:effectRef idx="2">
-          <a:schemeClr val="accent1"/>
-        </a:effectRef>
-        <a:fontRef idx="minor">
-          <a:schemeClr val="lt1"/>
-        </a:fontRef>
-      </a:style>
-    </a:spDef>
     <a:lnDef>
       <a:spPr/>
       <a:bodyPr/>
@@ -5936,5 +6008,10 @@
     </a:lnDef>
   </a:objectDefaults>
   <a:extraClrSchemeLst/>
+  <a:extLst>
+    <a:ext uri="{05A4C25C-085E-4340-85A3-A5531E510DB2}">
+      <thm15:themeFamily xmlns:thm15="http://schemas.microsoft.com/office/thememl/2012/main" name="Office Theme" id="{2E142A2C-CD16-42D6-873A-C26D2A0506FA}" vid="{1BDDFF52-6CD6-40A5-AB3C-68EB2F1E4D0A}"/>
+    </a:ext>
+  </a:extLst>
 </a:theme>
 </file>
--- a/networking-as-self-governance.pptx
+++ b/networking-as-self-governance.pptx
@@ -1353,7 +1353,7 @@
           <a:p>
             <a:fld id="{5BCAD085-E8A6-8845-BD4E-CB4CCA059FC4}" type="datetimeFigureOut">
               <a:rPr lang="en-US" smtClean="0"/>
-              <a:t>8/26/2025</a:t>
+              <a:t>9/2/2025</a:t>
             </a:fld>
             <a:endParaRPr lang="en-US"/>
           </a:p>
@@ -1521,7 +1521,7 @@
           <a:p>
             <a:fld id="{5BCAD085-E8A6-8845-BD4E-CB4CCA059FC4}" type="datetimeFigureOut">
               <a:rPr lang="en-US" smtClean="0"/>
-              <a:t>8/26/2025</a:t>
+              <a:t>9/2/2025</a:t>
             </a:fld>
             <a:endParaRPr lang="en-US"/>
           </a:p>
@@ -1699,7 +1699,7 @@
           <a:p>
             <a:fld id="{5BCAD085-E8A6-8845-BD4E-CB4CCA059FC4}" type="datetimeFigureOut">
               <a:rPr lang="en-US" smtClean="0"/>
-              <a:t>8/26/2025</a:t>
+              <a:t>9/2/2025</a:t>
             </a:fld>
             <a:endParaRPr lang="en-US"/>
           </a:p>
@@ -1867,7 +1867,7 @@
           <a:p>
             <a:fld id="{5BCAD085-E8A6-8845-BD4E-CB4CCA059FC4}" type="datetimeFigureOut">
               <a:rPr lang="en-US" smtClean="0"/>
-              <a:t>8/26/2025</a:t>
+              <a:t>9/2/2025</a:t>
             </a:fld>
             <a:endParaRPr lang="en-US"/>
           </a:p>
@@ -2112,7 +2112,7 @@
           <a:p>
             <a:fld id="{5BCAD085-E8A6-8845-BD4E-CB4CCA059FC4}" type="datetimeFigureOut">
               <a:rPr lang="en-US" smtClean="0"/>
-              <a:t>8/26/2025</a:t>
+              <a:t>9/2/2025</a:t>
             </a:fld>
             <a:endParaRPr lang="en-US"/>
           </a:p>
@@ -2397,7 +2397,7 @@
           <a:p>
             <a:fld id="{5BCAD085-E8A6-8845-BD4E-CB4CCA059FC4}" type="datetimeFigureOut">
               <a:rPr lang="en-US" smtClean="0"/>
-              <a:t>8/26/2025</a:t>
+              <a:t>9/2/2025</a:t>
             </a:fld>
             <a:endParaRPr lang="en-US"/>
           </a:p>
@@ -2816,7 +2816,7 @@
           <a:p>
             <a:fld id="{5BCAD085-E8A6-8845-BD4E-CB4CCA059FC4}" type="datetimeFigureOut">
               <a:rPr lang="en-US" smtClean="0"/>
-              <a:t>8/26/2025</a:t>
+              <a:t>9/2/2025</a:t>
             </a:fld>
             <a:endParaRPr lang="en-US"/>
           </a:p>
@@ -2933,7 +2933,7 @@
           <a:p>
             <a:fld id="{5BCAD085-E8A6-8845-BD4E-CB4CCA059FC4}" type="datetimeFigureOut">
               <a:rPr lang="en-US" smtClean="0"/>
-              <a:t>8/26/2025</a:t>
+              <a:t>9/2/2025</a:t>
             </a:fld>
             <a:endParaRPr lang="en-US"/>
           </a:p>
@@ -3028,7 +3028,7 @@
           <a:p>
             <a:fld id="{5BCAD085-E8A6-8845-BD4E-CB4CCA059FC4}" type="datetimeFigureOut">
               <a:rPr lang="en-US" smtClean="0"/>
-              <a:t>8/26/2025</a:t>
+              <a:t>9/2/2025</a:t>
             </a:fld>
             <a:endParaRPr lang="en-US"/>
           </a:p>
@@ -3303,7 +3303,7 @@
           <a:p>
             <a:fld id="{5BCAD085-E8A6-8845-BD4E-CB4CCA059FC4}" type="datetimeFigureOut">
               <a:rPr lang="en-US" smtClean="0"/>
-              <a:t>8/26/2025</a:t>
+              <a:t>9/2/2025</a:t>
             </a:fld>
             <a:endParaRPr lang="en-US"/>
           </a:p>
@@ -3555,7 +3555,7 @@
           <a:p>
             <a:fld id="{5BCAD085-E8A6-8845-BD4E-CB4CCA059FC4}" type="datetimeFigureOut">
               <a:rPr lang="en-US" smtClean="0"/>
-              <a:t>8/26/2025</a:t>
+              <a:t>9/2/2025</a:t>
             </a:fld>
             <a:endParaRPr lang="en-US"/>
           </a:p>
@@ -3766,7 +3766,7 @@
           <a:p>
             <a:fld id="{5BCAD085-E8A6-8845-BD4E-CB4CCA059FC4}" type="datetimeFigureOut">
               <a:rPr lang="en-US" smtClean="0"/>
-              <a:t>8/26/2025</a:t>
+              <a:t>9/2/2025</a:t>
             </a:fld>
             <a:endParaRPr lang="en-US"/>
           </a:p>
@@ -4158,8 +4158,13 @@
           <a:p>
             <a:r>
               <a:rPr dirty="0"/>
-              <a:t>Networking as Self-Governance</a:t>
-            </a:r>
+              <a:t>Networking as Self-G</a:t>
+            </a:r>
+            <a:r>
+              <a:rPr lang="en-US" dirty="0"/>
+              <a:t>overnment</a:t>
+            </a:r>
+            <a:endParaRPr dirty="0"/>
           </a:p>
         </p:txBody>
       </p:sp>
